--- a/material/ReactAula2.pptx
+++ b/material/ReactAula2.pptx
@@ -8,7 +8,8 @@
     <p:sldId id="256" r:id="rId2"/>
     <p:sldId id="265" r:id="rId3"/>
     <p:sldId id="258" r:id="rId4"/>
-    <p:sldId id="272" r:id="rId5"/>
+    <p:sldId id="266" r:id="rId5"/>
+    <p:sldId id="267" r:id="rId6"/>
   </p:sldIdLst>
   <p:sldSz cx="12192000" cy="6858000"/>
   <p:notesSz cx="6858000" cy="9144000"/>
@@ -262,7 +263,7 @@
           <a:p>
             <a:fld id="{F173C421-78E7-4F2F-AA80-2269C56115F5}" type="datetimeFigureOut">
               <a:rPr lang="pt-BR" smtClean="0"/>
-              <a:t>30/01/2019</a:t>
+              <a:t>06/02/2019</a:t>
             </a:fld>
             <a:endParaRPr lang="pt-BR"/>
           </a:p>
@@ -460,7 +461,7 @@
           <a:p>
             <a:fld id="{F173C421-78E7-4F2F-AA80-2269C56115F5}" type="datetimeFigureOut">
               <a:rPr lang="pt-BR" smtClean="0"/>
-              <a:t>30/01/2019</a:t>
+              <a:t>06/02/2019</a:t>
             </a:fld>
             <a:endParaRPr lang="pt-BR"/>
           </a:p>
@@ -668,7 +669,7 @@
           <a:p>
             <a:fld id="{F173C421-78E7-4F2F-AA80-2269C56115F5}" type="datetimeFigureOut">
               <a:rPr lang="pt-BR" smtClean="0"/>
-              <a:t>30/01/2019</a:t>
+              <a:t>06/02/2019</a:t>
             </a:fld>
             <a:endParaRPr lang="pt-BR"/>
           </a:p>
@@ -866,7 +867,7 @@
           <a:p>
             <a:fld id="{F173C421-78E7-4F2F-AA80-2269C56115F5}" type="datetimeFigureOut">
               <a:rPr lang="pt-BR" smtClean="0"/>
-              <a:t>30/01/2019</a:t>
+              <a:t>06/02/2019</a:t>
             </a:fld>
             <a:endParaRPr lang="pt-BR"/>
           </a:p>
@@ -1141,7 +1142,7 @@
           <a:p>
             <a:fld id="{F173C421-78E7-4F2F-AA80-2269C56115F5}" type="datetimeFigureOut">
               <a:rPr lang="pt-BR" smtClean="0"/>
-              <a:t>30/01/2019</a:t>
+              <a:t>06/02/2019</a:t>
             </a:fld>
             <a:endParaRPr lang="pt-BR"/>
           </a:p>
@@ -1406,7 +1407,7 @@
           <a:p>
             <a:fld id="{F173C421-78E7-4F2F-AA80-2269C56115F5}" type="datetimeFigureOut">
               <a:rPr lang="pt-BR" smtClean="0"/>
-              <a:t>30/01/2019</a:t>
+              <a:t>06/02/2019</a:t>
             </a:fld>
             <a:endParaRPr lang="pt-BR"/>
           </a:p>
@@ -1818,7 +1819,7 @@
           <a:p>
             <a:fld id="{F173C421-78E7-4F2F-AA80-2269C56115F5}" type="datetimeFigureOut">
               <a:rPr lang="pt-BR" smtClean="0"/>
-              <a:t>30/01/2019</a:t>
+              <a:t>06/02/2019</a:t>
             </a:fld>
             <a:endParaRPr lang="pt-BR"/>
           </a:p>
@@ -1959,7 +1960,7 @@
           <a:p>
             <a:fld id="{F173C421-78E7-4F2F-AA80-2269C56115F5}" type="datetimeFigureOut">
               <a:rPr lang="pt-BR" smtClean="0"/>
-              <a:t>30/01/2019</a:t>
+              <a:t>06/02/2019</a:t>
             </a:fld>
             <a:endParaRPr lang="pt-BR"/>
           </a:p>
@@ -2072,7 +2073,7 @@
           <a:p>
             <a:fld id="{F173C421-78E7-4F2F-AA80-2269C56115F5}" type="datetimeFigureOut">
               <a:rPr lang="pt-BR" smtClean="0"/>
-              <a:t>30/01/2019</a:t>
+              <a:t>06/02/2019</a:t>
             </a:fld>
             <a:endParaRPr lang="pt-BR"/>
           </a:p>
@@ -2383,7 +2384,7 @@
           <a:p>
             <a:fld id="{F173C421-78E7-4F2F-AA80-2269C56115F5}" type="datetimeFigureOut">
               <a:rPr lang="pt-BR" smtClean="0"/>
-              <a:t>30/01/2019</a:t>
+              <a:t>06/02/2019</a:t>
             </a:fld>
             <a:endParaRPr lang="pt-BR"/>
           </a:p>
@@ -2671,7 +2672,7 @@
           <a:p>
             <a:fld id="{F173C421-78E7-4F2F-AA80-2269C56115F5}" type="datetimeFigureOut">
               <a:rPr lang="pt-BR" smtClean="0"/>
-              <a:t>30/01/2019</a:t>
+              <a:t>06/02/2019</a:t>
             </a:fld>
             <a:endParaRPr lang="pt-BR"/>
           </a:p>
@@ -2912,7 +2913,7 @@
           <a:p>
             <a:fld id="{F173C421-78E7-4F2F-AA80-2269C56115F5}" type="datetimeFigureOut">
               <a:rPr lang="pt-BR" smtClean="0"/>
-              <a:t>30/01/2019</a:t>
+              <a:t>06/02/2019</a:t>
             </a:fld>
             <a:endParaRPr lang="pt-BR"/>
           </a:p>
@@ -4217,17 +4218,36 @@
                 <a:latin typeface="Arial" panose="020B0604020202020204" pitchFamily="34" charset="0"/>
                 <a:cs typeface="Arial" panose="020B0604020202020204" pitchFamily="34" charset="0"/>
               </a:rPr>
-              <a:t>É uma ferramenta para somente criar componentes.</a:t>
-            </a:r>
-          </a:p>
-          <a:p>
-            <a:pPr marL="0" indent="0">
-              <a:buNone/>
-            </a:pPr>
-            <a:endParaRPr lang="pt-BR" dirty="0">
-              <a:latin typeface="Arial" panose="020B0604020202020204" pitchFamily="34" charset="0"/>
-              <a:cs typeface="Arial" panose="020B0604020202020204" pitchFamily="34" charset="0"/>
-            </a:endParaRPr>
+              <a:t>ES6, </a:t>
+            </a:r>
+            <a:r>
+              <a:rPr lang="pt-BR" dirty="0" err="1">
+                <a:latin typeface="Arial" panose="020B0604020202020204" pitchFamily="34" charset="0"/>
+                <a:cs typeface="Arial" panose="020B0604020202020204" pitchFamily="34" charset="0"/>
+              </a:rPr>
+              <a:t>ECMAScript</a:t>
+            </a:r>
+            <a:r>
+              <a:rPr lang="pt-BR" dirty="0">
+                <a:latin typeface="Arial" panose="020B0604020202020204" pitchFamily="34" charset="0"/>
+                <a:cs typeface="Arial" panose="020B0604020202020204" pitchFamily="34" charset="0"/>
+              </a:rPr>
+              <a:t> 6 ou ES2015, é simplesmente a mais nova versão do </a:t>
+            </a:r>
+            <a:r>
+              <a:rPr lang="pt-BR" dirty="0" err="1">
+                <a:latin typeface="Arial" panose="020B0604020202020204" pitchFamily="34" charset="0"/>
+                <a:cs typeface="Arial" panose="020B0604020202020204" pitchFamily="34" charset="0"/>
+              </a:rPr>
+              <a:t>JavaScript</a:t>
+            </a:r>
+            <a:r>
+              <a:rPr lang="pt-BR" dirty="0">
+                <a:latin typeface="Arial" panose="020B0604020202020204" pitchFamily="34" charset="0"/>
+                <a:cs typeface="Arial" panose="020B0604020202020204" pitchFamily="34" charset="0"/>
+              </a:rPr>
+              <a:t>.</a:t>
+            </a:r>
           </a:p>
           <a:p>
             <a:pPr>
@@ -4239,7 +4259,7 @@
                 <a:latin typeface="Arial" panose="020B0604020202020204" pitchFamily="34" charset="0"/>
                 <a:cs typeface="Arial" panose="020B0604020202020204" pitchFamily="34" charset="0"/>
               </a:rPr>
-              <a:t>Criada pelo Instagram antes do Facebook comprá-lo.</a:t>
+              <a:t>Na verdade, o nome mais usado atualmente é ES2015. A ideia do comitê responsável (conhecido como TC39) pelas atualizações da linguagem é justamente fazer um release anual. Então nesse ano teremos o ES2016 (ou ES7). E assim sucessivamente.</a:t>
             </a:r>
           </a:p>
         </p:txBody>
@@ -4293,6 +4313,16 @@
           <a:p>
             <a:pPr algn="ctr"/>
             <a:r>
+              <a:rPr lang="pt-BR" sz="6600" b="1" dirty="0" err="1">
+                <a:solidFill>
+                  <a:srgbClr val="F46524"/>
+                </a:solidFill>
+                <a:latin typeface="Arial" panose="020B0604020202020204" pitchFamily="34" charset="0"/>
+                <a:cs typeface="Arial" panose="020B0604020202020204" pitchFamily="34" charset="0"/>
+              </a:rPr>
+              <a:t>ECMAScript</a:t>
+            </a:r>
+            <a:r>
               <a:rPr lang="pt-BR" sz="6600" b="1" dirty="0">
                 <a:solidFill>
                   <a:srgbClr val="F46524"/>
@@ -4300,18 +4330,15 @@
                 <a:latin typeface="Arial" panose="020B0604020202020204" pitchFamily="34" charset="0"/>
                 <a:cs typeface="Arial" panose="020B0604020202020204" pitchFamily="34" charset="0"/>
               </a:rPr>
-              <a:t>React</a:t>
-            </a:r>
-            <a:r>
-              <a:rPr lang="pt-BR" sz="7200" b="1" dirty="0">
-                <a:solidFill>
-                  <a:srgbClr val="F46524"/>
-                </a:solidFill>
-                <a:latin typeface="Arial" panose="020B0604020202020204" pitchFamily="34" charset="0"/>
-                <a:cs typeface="Arial" panose="020B0604020202020204" pitchFamily="34" charset="0"/>
-              </a:rPr>
-              <a:t>.js</a:t>
-            </a:r>
+              <a:t> 6</a:t>
+            </a:r>
+            <a:endParaRPr lang="pt-BR" sz="7200" b="1" dirty="0">
+              <a:solidFill>
+                <a:srgbClr val="F46524"/>
+              </a:solidFill>
+              <a:latin typeface="Arial" panose="020B0604020202020204" pitchFamily="34" charset="0"/>
+              <a:cs typeface="Arial" panose="020B0604020202020204" pitchFamily="34" charset="0"/>
+            </a:endParaRPr>
           </a:p>
         </p:txBody>
       </p:sp>
@@ -4524,7 +4551,7 @@
                                         <p:tgtEl>
                                           <p:spTgt spid="3">
                                             <p:txEl>
-                                              <p:pRg st="2" end="2"/>
+                                              <p:pRg st="1" end="1"/>
                                             </p:txEl>
                                           </p:spTgt>
                                         </p:tgtEl>
@@ -4542,7 +4569,7 @@
                                         <p:tgtEl>
                                           <p:spTgt spid="3">
                                             <p:txEl>
-                                              <p:pRg st="2" end="2"/>
+                                              <p:pRg st="1" end="1"/>
                                             </p:txEl>
                                           </p:spTgt>
                                         </p:tgtEl>
@@ -4569,7 +4596,7 @@
                                         <p:tgtEl>
                                           <p:spTgt spid="3">
                                             <p:txEl>
-                                              <p:pRg st="2" end="2"/>
+                                              <p:pRg st="1" end="1"/>
                                             </p:txEl>
                                           </p:spTgt>
                                         </p:tgtEl>
@@ -4646,7 +4673,7 @@
           <p:cNvPr id="3" name="Espaço Reservado para Conteúdo 2">
             <a:extLst>
               <a:ext uri="{FF2B5EF4-FFF2-40B4-BE49-F238E27FC236}">
-                <a16:creationId xmlns:a16="http://schemas.microsoft.com/office/drawing/2014/main" id="{E314484E-A931-4CA1-9026-C6C88FF7498E}"/>
+                <a16:creationId xmlns:a16="http://schemas.microsoft.com/office/drawing/2014/main" id="{1C54187F-8492-4796-96CD-9E4382E87C6F}"/>
               </a:ext>
             </a:extLst>
           </p:cNvPr>
@@ -4659,159 +4686,48 @@
         </p:nvSpPr>
         <p:spPr/>
         <p:txBody>
-          <a:bodyPr/>
+          <a:bodyPr>
+            <a:normAutofit/>
+          </a:bodyPr>
           <a:lstStyle/>
           <a:p>
             <a:pPr>
               <a:buFont typeface="Wingdings" panose="05000000000000000000" pitchFamily="2" charset="2"/>
-              <a:buChar char="ü"/>
+              <a:buChar char="Ø"/>
             </a:pPr>
             <a:r>
-              <a:rPr lang="pt-BR" u="sng" dirty="0">
+              <a:rPr lang="pt-BR" dirty="0">
                 <a:latin typeface="Arial" panose="020B0604020202020204" pitchFamily="34" charset="0"/>
                 <a:cs typeface="Arial" panose="020B0604020202020204" pitchFamily="34" charset="0"/>
               </a:rPr>
-              <a:t>https://reactjs.org/</a:t>
-            </a:r>
-          </a:p>
-          <a:p>
-            <a:pPr>
-              <a:buFont typeface="Wingdings" panose="05000000000000000000" pitchFamily="2" charset="2"/>
-              <a:buChar char="ü"/>
-            </a:pPr>
-            <a:r>
-              <a:rPr lang="pt-BR" u="sng" dirty="0">
-                <a:latin typeface="Arial" panose="020B0604020202020204" pitchFamily="34" charset="0"/>
-                <a:cs typeface="Arial" panose="020B0604020202020204" pitchFamily="34" charset="0"/>
-                <a:hlinkClick r:id="rId2">
-                  <a:extLst>
-                    <a:ext uri="{A12FA001-AC4F-418D-AE19-62706E023703}">
-                      <ahyp:hlinkClr xmlns:ahyp="http://schemas.microsoft.com/office/drawing/2018/hyperlinkcolor" val="tx"/>
-                    </a:ext>
-                  </a:extLst>
-                </a:hlinkClick>
-              </a:rPr>
-              <a:t>https://medium.com/by-vinicius-reis/o-que-e-react-ng2-auleria-vue-e34b0c77b5a1</a:t>
-            </a:r>
-            <a:endParaRPr lang="pt-BR" u="sng" dirty="0">
-              <a:latin typeface="Arial" panose="020B0604020202020204" pitchFamily="34" charset="0"/>
-              <a:cs typeface="Arial" panose="020B0604020202020204" pitchFamily="34" charset="0"/>
-            </a:endParaRPr>
-          </a:p>
-          <a:p>
-            <a:pPr>
-              <a:buFont typeface="Wingdings" panose="05000000000000000000" pitchFamily="2" charset="2"/>
-              <a:buChar char="ü"/>
-            </a:pPr>
-            <a:r>
-              <a:rPr lang="pt-BR" u="sng" dirty="0">
-                <a:latin typeface="Arial" panose="020B0604020202020204" pitchFamily="34" charset="0"/>
-                <a:cs typeface="Arial" panose="020B0604020202020204" pitchFamily="34" charset="0"/>
-                <a:hlinkClick r:id="rId3">
-                  <a:extLst>
-                    <a:ext uri="{A12FA001-AC4F-418D-AE19-62706E023703}">
-                      <ahyp:hlinkClr xmlns:ahyp="http://schemas.microsoft.com/office/drawing/2018/hyperlinkcolor" val="tx"/>
-                    </a:ext>
-                  </a:extLst>
-                </a:hlinkClick>
-              </a:rPr>
-              <a:t>https://gabrielsobrinho.com/introducao-ao-react-js/</a:t>
-            </a:r>
-            <a:endParaRPr lang="pt-BR" u="sng" dirty="0">
-              <a:latin typeface="Arial" panose="020B0604020202020204" pitchFamily="34" charset="0"/>
-              <a:cs typeface="Arial" panose="020B0604020202020204" pitchFamily="34" charset="0"/>
-            </a:endParaRPr>
-          </a:p>
-          <a:p>
-            <a:pPr>
-              <a:buFont typeface="Wingdings" panose="05000000000000000000" pitchFamily="2" charset="2"/>
-              <a:buChar char="ü"/>
-            </a:pPr>
-            <a:r>
-              <a:rPr lang="pt-BR" u="sng" dirty="0">
-                <a:latin typeface="Arial" panose="020B0604020202020204" pitchFamily="34" charset="0"/>
-                <a:cs typeface="Arial" panose="020B0604020202020204" pitchFamily="34" charset="0"/>
-                <a:hlinkClick r:id="rId4">
-                  <a:extLst>
-                    <a:ext uri="{A12FA001-AC4F-418D-AE19-62706E023703}">
-                      <ahyp:hlinkClr xmlns:ahyp="http://schemas.microsoft.com/office/drawing/2018/hyperlinkcolor" val="tx"/>
-                    </a:ext>
-                  </a:extLst>
-                </a:hlinkClick>
-              </a:rPr>
-              <a:t>https://medium.com/reactbrasil/jsx-de6f43b06f41</a:t>
-            </a:r>
-            <a:endParaRPr lang="pt-BR" u="sng" dirty="0">
-              <a:latin typeface="Arial" panose="020B0604020202020204" pitchFamily="34" charset="0"/>
-              <a:cs typeface="Arial" panose="020B0604020202020204" pitchFamily="34" charset="0"/>
-            </a:endParaRPr>
-          </a:p>
-          <a:p>
-            <a:pPr>
-              <a:buFont typeface="Wingdings" panose="05000000000000000000" pitchFamily="2" charset="2"/>
-              <a:buChar char="ü"/>
-            </a:pPr>
-            <a:r>
-              <a:rPr lang="pt-BR" u="sng" dirty="0">
-                <a:latin typeface="Arial" panose="020B0604020202020204" pitchFamily="34" charset="0"/>
-                <a:cs typeface="Arial" panose="020B0604020202020204" pitchFamily="34" charset="0"/>
-                <a:hlinkClick r:id="rId5">
-                  <a:extLst>
-                    <a:ext uri="{A12FA001-AC4F-418D-AE19-62706E023703}">
-                      <ahyp:hlinkClr xmlns:ahyp="http://schemas.microsoft.com/office/drawing/2018/hyperlinkcolor" val="tx"/>
-                    </a:ext>
-                  </a:extLst>
-                </a:hlinkClick>
-              </a:rPr>
-              <a:t>https://www.w3schools.com/howto/howto_css_animate_buttons.asp</a:t>
-            </a:r>
-            <a:endParaRPr lang="pt-BR" u="sng" dirty="0">
-              <a:latin typeface="Arial" panose="020B0604020202020204" pitchFamily="34" charset="0"/>
-              <a:cs typeface="Arial" panose="020B0604020202020204" pitchFamily="34" charset="0"/>
-            </a:endParaRPr>
-          </a:p>
-          <a:p>
-            <a:pPr>
-              <a:buFont typeface="Wingdings" panose="05000000000000000000" pitchFamily="2" charset="2"/>
-              <a:buChar char="ü"/>
-            </a:pPr>
-            <a:r>
-              <a:rPr lang="pt-BR" u="sng" dirty="0">
-                <a:latin typeface="Arial" panose="020B0604020202020204" pitchFamily="34" charset="0"/>
-                <a:cs typeface="Arial" panose="020B0604020202020204" pitchFamily="34" charset="0"/>
-                <a:hlinkClick r:id="rId6">
-                  <a:extLst>
-                    <a:ext uri="{A12FA001-AC4F-418D-AE19-62706E023703}">
-                      <ahyp:hlinkClr xmlns:ahyp="http://schemas.microsoft.com/office/drawing/2018/hyperlinkcolor" val="tx"/>
-                    </a:ext>
-                  </a:extLst>
-                </a:hlinkClick>
-              </a:rPr>
-              <a:t>https://reactjs.org/docs/fragments.html</a:t>
-            </a:r>
-            <a:endParaRPr lang="pt-BR" u="sng" dirty="0">
-              <a:latin typeface="Arial" panose="020B0604020202020204" pitchFamily="34" charset="0"/>
-              <a:cs typeface="Arial" panose="020B0604020202020204" pitchFamily="34" charset="0"/>
-            </a:endParaRPr>
-          </a:p>
-          <a:p>
-            <a:pPr>
-              <a:buFont typeface="Wingdings" panose="05000000000000000000" pitchFamily="2" charset="2"/>
-              <a:buChar char="ü"/>
-            </a:pPr>
-            <a:r>
-              <a:rPr lang="pt-BR" u="sng" dirty="0">
+              <a:t>É um </a:t>
+            </a:r>
+            <a:r>
+              <a:rPr lang="pt-BR" dirty="0" err="1">
                 <a:latin typeface="Arial" panose="020B0604020202020204" pitchFamily="34" charset="0"/>
                 <a:cs typeface="Arial" panose="020B0604020202020204" pitchFamily="34" charset="0"/>
               </a:rPr>
-              <a:t>https://reactjs.org/docs/state-and-lifecycle.html</a:t>
-            </a:r>
-          </a:p>
-          <a:p>
-            <a:pPr>
-              <a:buFont typeface="Wingdings" panose="05000000000000000000" pitchFamily="2" charset="2"/>
-              <a:buChar char="ü"/>
-            </a:pPr>
+              <a:t>transpiler</a:t>
+            </a:r>
+            <a:r>
+              <a:rPr lang="pt-BR" dirty="0">
+                <a:latin typeface="Arial" panose="020B0604020202020204" pitchFamily="34" charset="0"/>
+                <a:cs typeface="Arial" panose="020B0604020202020204" pitchFamily="34" charset="0"/>
+              </a:rPr>
+              <a:t>, </a:t>
+            </a:r>
+            <a:r>
+              <a:rPr lang="pt-BR" dirty="0"/>
+              <a:t>que transforma o seu código de ES6 para ES5 (versão que a maioria dos </a:t>
+            </a:r>
+            <a:r>
+              <a:rPr lang="pt-BR" i="1" dirty="0"/>
+              <a:t>browsers</a:t>
+            </a:r>
+            <a:r>
+              <a:rPr lang="pt-BR" dirty="0"/>
+              <a:t> dá suporte hoje).</a:t>
+            </a:r>
             <a:endParaRPr lang="pt-BR" dirty="0">
               <a:latin typeface="Arial" panose="020B0604020202020204" pitchFamily="34" charset="0"/>
               <a:cs typeface="Arial" panose="020B0604020202020204" pitchFamily="34" charset="0"/>
@@ -4820,21 +4736,24 @@
           <a:p>
             <a:pPr>
               <a:buFont typeface="Wingdings" panose="05000000000000000000" pitchFamily="2" charset="2"/>
-              <a:buChar char="ü"/>
+              <a:buChar char="Ø"/>
             </a:pPr>
-            <a:endParaRPr lang="pt-BR" dirty="0">
-              <a:latin typeface="Arial" panose="020B0604020202020204" pitchFamily="34" charset="0"/>
-              <a:cs typeface="Arial" panose="020B0604020202020204" pitchFamily="34" charset="0"/>
-            </a:endParaRPr>
-          </a:p>
-        </p:txBody>
-      </p:sp>
-      <p:sp>
-        <p:nvSpPr>
-          <p:cNvPr id="4" name="Título 1">
-            <a:extLst>
-              <a:ext uri="{FF2B5EF4-FFF2-40B4-BE49-F238E27FC236}">
-                <a16:creationId xmlns:a16="http://schemas.microsoft.com/office/drawing/2014/main" id="{34934F35-0906-4549-9909-B329B73EDBCA}"/>
+            <a:r>
+              <a:rPr lang="pt-BR" dirty="0">
+                <a:latin typeface="Arial" panose="020B0604020202020204" pitchFamily="34" charset="0"/>
+                <a:cs typeface="Arial" panose="020B0604020202020204" pitchFamily="34" charset="0"/>
+              </a:rPr>
+              <a:t>https://babeljs.io/</a:t>
+            </a:r>
+          </a:p>
+        </p:txBody>
+      </p:sp>
+      <p:sp>
+        <p:nvSpPr>
+          <p:cNvPr id="6" name="Título 1">
+            <a:extLst>
+              <a:ext uri="{FF2B5EF4-FFF2-40B4-BE49-F238E27FC236}">
+                <a16:creationId xmlns:a16="http://schemas.microsoft.com/office/drawing/2014/main" id="{62E1AAE0-A067-4119-BE22-1FE8351FD147}"/>
               </a:ext>
             </a:extLst>
           </p:cNvPr>
@@ -4878,24 +4797,31 @@
           <a:p>
             <a:pPr algn="ctr"/>
             <a:r>
-              <a:rPr lang="pt-BR" sz="5400" b="1" dirty="0">
+              <a:rPr lang="pt-BR" sz="6600" b="1" dirty="0">
                 <a:solidFill>
                   <a:srgbClr val="F46524"/>
                 </a:solidFill>
                 <a:latin typeface="Arial" panose="020B0604020202020204" pitchFamily="34" charset="0"/>
                 <a:cs typeface="Arial" panose="020B0604020202020204" pitchFamily="34" charset="0"/>
               </a:rPr>
-              <a:t>Referências	</a:t>
-            </a:r>
+              <a:t>Babel</a:t>
+            </a:r>
+            <a:endParaRPr lang="pt-BR" sz="7200" b="1" dirty="0">
+              <a:solidFill>
+                <a:srgbClr val="F46524"/>
+              </a:solidFill>
+              <a:latin typeface="Arial" panose="020B0604020202020204" pitchFamily="34" charset="0"/>
+              <a:cs typeface="Arial" panose="020B0604020202020204" pitchFamily="34" charset="0"/>
+            </a:endParaRPr>
           </a:p>
         </p:txBody>
       </p:sp>
       <p:pic>
         <p:nvPicPr>
-          <p:cNvPr id="5" name="Imagem 4">
-            <a:extLst>
-              <a:ext uri="{FF2B5EF4-FFF2-40B4-BE49-F238E27FC236}">
-                <a16:creationId xmlns:a16="http://schemas.microsoft.com/office/drawing/2014/main" id="{BD34B949-7911-4817-A780-4FD0E7942C08}"/>
+          <p:cNvPr id="7" name="Imagem 6">
+            <a:extLst>
+              <a:ext uri="{FF2B5EF4-FFF2-40B4-BE49-F238E27FC236}">
+                <a16:creationId xmlns:a16="http://schemas.microsoft.com/office/drawing/2014/main" id="{4E6DF7A4-AA0F-4323-8CC2-D016FEA6DF7B}"/>
               </a:ext>
             </a:extLst>
           </p:cNvPr>
@@ -4905,7 +4831,7 @@
           <p:nvPr/>
         </p:nvPicPr>
         <p:blipFill>
-          <a:blip r:embed="rId7"/>
+          <a:blip r:embed="rId2"/>
           <a:stretch>
             <a:fillRect/>
           </a:stretch>
@@ -4922,10 +4848,10 @@
       </p:pic>
       <p:pic>
         <p:nvPicPr>
-          <p:cNvPr id="6" name="Imagem 5">
-            <a:extLst>
-              <a:ext uri="{FF2B5EF4-FFF2-40B4-BE49-F238E27FC236}">
-                <a16:creationId xmlns:a16="http://schemas.microsoft.com/office/drawing/2014/main" id="{AB37113D-8A5A-44BA-947B-C158178085B8}"/>
+          <p:cNvPr id="8" name="Imagem 7">
+            <a:extLst>
+              <a:ext uri="{FF2B5EF4-FFF2-40B4-BE49-F238E27FC236}">
+                <a16:creationId xmlns:a16="http://schemas.microsoft.com/office/drawing/2014/main" id="{4A328260-2ADB-4693-9112-53AB287FD66C}"/>
               </a:ext>
             </a:extLst>
           </p:cNvPr>
@@ -4935,7 +4861,7 @@
           <p:nvPr/>
         </p:nvPicPr>
         <p:blipFill>
-          <a:blip r:embed="rId8"/>
+          <a:blip r:embed="rId3"/>
           <a:stretch>
             <a:fillRect/>
           </a:stretch>
@@ -4953,13 +4879,1343 @@
     </p:spTree>
     <p:extLst>
       <p:ext uri="{BB962C8B-B14F-4D97-AF65-F5344CB8AC3E}">
-        <p14:creationId xmlns:p14="http://schemas.microsoft.com/office/powerpoint/2010/main" val="2847445711"/>
+        <p14:creationId xmlns:p14="http://schemas.microsoft.com/office/powerpoint/2010/main" val="3764726853"/>
       </p:ext>
     </p:extLst>
   </p:cSld>
   <p:clrMapOvr>
     <a:masterClrMapping/>
   </p:clrMapOvr>
+  <p:timing>
+    <p:tnLst>
+      <p:par>
+        <p:cTn id="1" dur="indefinite" restart="never" nodeType="tmRoot">
+          <p:childTnLst>
+            <p:seq concurrent="1" nextAc="seek">
+              <p:cTn id="2" dur="indefinite" nodeType="mainSeq">
+                <p:childTnLst>
+                  <p:par>
+                    <p:cTn id="3" fill="hold">
+                      <p:stCondLst>
+                        <p:cond delay="indefinite"/>
+                      </p:stCondLst>
+                      <p:childTnLst>
+                        <p:par>
+                          <p:cTn id="4" fill="hold">
+                            <p:stCondLst>
+                              <p:cond delay="0"/>
+                            </p:stCondLst>
+                            <p:childTnLst>
+                              <p:par>
+                                <p:cTn id="5" presetID="2" presetClass="entr" presetSubtype="4" fill="hold" nodeType="clickEffect">
+                                  <p:stCondLst>
+                                    <p:cond delay="0"/>
+                                  </p:stCondLst>
+                                  <p:childTnLst>
+                                    <p:set>
+                                      <p:cBhvr>
+                                        <p:cTn id="6" dur="1" fill="hold">
+                                          <p:stCondLst>
+                                            <p:cond delay="0"/>
+                                          </p:stCondLst>
+                                        </p:cTn>
+                                        <p:tgtEl>
+                                          <p:spTgt spid="3">
+                                            <p:txEl>
+                                              <p:pRg st="0" end="0"/>
+                                            </p:txEl>
+                                          </p:spTgt>
+                                        </p:tgtEl>
+                                        <p:attrNameLst>
+                                          <p:attrName>style.visibility</p:attrName>
+                                        </p:attrNameLst>
+                                      </p:cBhvr>
+                                      <p:to>
+                                        <p:strVal val="visible"/>
+                                      </p:to>
+                                    </p:set>
+                                    <p:anim calcmode="lin" valueType="num">
+                                      <p:cBhvr additive="base">
+                                        <p:cTn id="7" dur="500" fill="hold"/>
+                                        <p:tgtEl>
+                                          <p:spTgt spid="3">
+                                            <p:txEl>
+                                              <p:pRg st="0" end="0"/>
+                                            </p:txEl>
+                                          </p:spTgt>
+                                        </p:tgtEl>
+                                        <p:attrNameLst>
+                                          <p:attrName>ppt_x</p:attrName>
+                                        </p:attrNameLst>
+                                      </p:cBhvr>
+                                      <p:tavLst>
+                                        <p:tav tm="0">
+                                          <p:val>
+                                            <p:strVal val="#ppt_x"/>
+                                          </p:val>
+                                        </p:tav>
+                                        <p:tav tm="100000">
+                                          <p:val>
+                                            <p:strVal val="#ppt_x"/>
+                                          </p:val>
+                                        </p:tav>
+                                      </p:tavLst>
+                                    </p:anim>
+                                    <p:anim calcmode="lin" valueType="num">
+                                      <p:cBhvr additive="base">
+                                        <p:cTn id="8" dur="500" fill="hold"/>
+                                        <p:tgtEl>
+                                          <p:spTgt spid="3">
+                                            <p:txEl>
+                                              <p:pRg st="0" end="0"/>
+                                            </p:txEl>
+                                          </p:spTgt>
+                                        </p:tgtEl>
+                                        <p:attrNameLst>
+                                          <p:attrName>ppt_y</p:attrName>
+                                        </p:attrNameLst>
+                                      </p:cBhvr>
+                                      <p:tavLst>
+                                        <p:tav tm="0">
+                                          <p:val>
+                                            <p:strVal val="1+#ppt_h/2"/>
+                                          </p:val>
+                                        </p:tav>
+                                        <p:tav tm="100000">
+                                          <p:val>
+                                            <p:strVal val="#ppt_y"/>
+                                          </p:val>
+                                        </p:tav>
+                                      </p:tavLst>
+                                    </p:anim>
+                                  </p:childTnLst>
+                                </p:cTn>
+                              </p:par>
+                            </p:childTnLst>
+                          </p:cTn>
+                        </p:par>
+                      </p:childTnLst>
+                    </p:cTn>
+                  </p:par>
+                </p:childTnLst>
+              </p:cTn>
+              <p:prevCondLst>
+                <p:cond evt="onPrev" delay="0">
+                  <p:tgtEl>
+                    <p:sldTgt/>
+                  </p:tgtEl>
+                </p:cond>
+              </p:prevCondLst>
+              <p:nextCondLst>
+                <p:cond evt="onNext" delay="0">
+                  <p:tgtEl>
+                    <p:sldTgt/>
+                  </p:tgtEl>
+                </p:cond>
+              </p:nextCondLst>
+            </p:seq>
+          </p:childTnLst>
+        </p:cTn>
+      </p:par>
+    </p:tnLst>
+  </p:timing>
+</p:sld>
+</file>
+
+<file path=ppt/slides/slide5.xml><?xml version="1.0" encoding="utf-8"?>
+<p:sld xmlns:a="http://schemas.openxmlformats.org/drawingml/2006/main" xmlns:r="http://schemas.openxmlformats.org/officeDocument/2006/relationships" xmlns:p="http://schemas.openxmlformats.org/presentationml/2006/main">
+  <p:cSld>
+    <p:spTree>
+      <p:nvGrpSpPr>
+        <p:cNvPr id="1" name=""/>
+        <p:cNvGrpSpPr/>
+        <p:nvPr/>
+      </p:nvGrpSpPr>
+      <p:grpSpPr>
+        <a:xfrm>
+          <a:off x="0" y="0"/>
+          <a:ext cx="0" cy="0"/>
+          <a:chOff x="0" y="0"/>
+          <a:chExt cx="0" cy="0"/>
+        </a:xfrm>
+      </p:grpSpPr>
+      <p:sp>
+        <p:nvSpPr>
+          <p:cNvPr id="3" name="Espaço Reservado para Conteúdo 2">
+            <a:extLst>
+              <a:ext uri="{FF2B5EF4-FFF2-40B4-BE49-F238E27FC236}">
+                <a16:creationId xmlns:a16="http://schemas.microsoft.com/office/drawing/2014/main" id="{1C54187F-8492-4796-96CD-9E4382E87C6F}"/>
+              </a:ext>
+            </a:extLst>
+          </p:cNvPr>
+          <p:cNvSpPr>
+            <a:spLocks noGrp="1"/>
+          </p:cNvSpPr>
+          <p:nvPr>
+            <p:ph idx="1"/>
+          </p:nvPr>
+        </p:nvSpPr>
+        <p:spPr/>
+        <p:txBody>
+          <a:bodyPr>
+            <a:normAutofit/>
+          </a:bodyPr>
+          <a:lstStyle/>
+          <a:p>
+            <a:pPr>
+              <a:buFont typeface="Wingdings" panose="05000000000000000000" pitchFamily="2" charset="2"/>
+              <a:buChar char="Ø"/>
+            </a:pPr>
+            <a:r>
+              <a:rPr lang="pt-BR" dirty="0">
+                <a:latin typeface="Arial" panose="020B0604020202020204" pitchFamily="34" charset="0"/>
+                <a:cs typeface="Arial" panose="020B0604020202020204" pitchFamily="34" charset="0"/>
+              </a:rPr>
+              <a:t>Novos recursos:</a:t>
+            </a:r>
+          </a:p>
+          <a:p>
+            <a:pPr lvl="1">
+              <a:buFont typeface="Wingdings" panose="05000000000000000000" pitchFamily="2" charset="2"/>
+              <a:buChar char="Ø"/>
+            </a:pPr>
+            <a:r>
+              <a:rPr lang="pt-BR" dirty="0">
+                <a:latin typeface="Arial" panose="020B0604020202020204" pitchFamily="34" charset="0"/>
+                <a:cs typeface="Arial" panose="020B0604020202020204" pitchFamily="34" charset="0"/>
+              </a:rPr>
+              <a:t>Map</a:t>
+            </a:r>
+          </a:p>
+          <a:p>
+            <a:pPr lvl="1">
+              <a:buFont typeface="Wingdings" panose="05000000000000000000" pitchFamily="2" charset="2"/>
+              <a:buChar char="Ø"/>
+            </a:pPr>
+            <a:r>
+              <a:rPr lang="pt-BR" dirty="0" err="1">
+                <a:latin typeface="Arial" panose="020B0604020202020204" pitchFamily="34" charset="0"/>
+                <a:cs typeface="Arial" panose="020B0604020202020204" pitchFamily="34" charset="0"/>
+              </a:rPr>
+              <a:t>Filter</a:t>
+            </a:r>
+            <a:endParaRPr lang="pt-BR" dirty="0">
+              <a:latin typeface="Arial" panose="020B0604020202020204" pitchFamily="34" charset="0"/>
+              <a:cs typeface="Arial" panose="020B0604020202020204" pitchFamily="34" charset="0"/>
+            </a:endParaRPr>
+          </a:p>
+          <a:p>
+            <a:pPr lvl="1">
+              <a:buFont typeface="Wingdings" panose="05000000000000000000" pitchFamily="2" charset="2"/>
+              <a:buChar char="Ø"/>
+            </a:pPr>
+            <a:r>
+              <a:rPr lang="pt-BR" dirty="0" err="1">
+                <a:latin typeface="Arial" panose="020B0604020202020204" pitchFamily="34" charset="0"/>
+                <a:cs typeface="Arial" panose="020B0604020202020204" pitchFamily="34" charset="0"/>
+              </a:rPr>
+              <a:t>Reduce</a:t>
+            </a:r>
+            <a:endParaRPr lang="pt-BR" dirty="0">
+              <a:latin typeface="Arial" panose="020B0604020202020204" pitchFamily="34" charset="0"/>
+              <a:cs typeface="Arial" panose="020B0604020202020204" pitchFamily="34" charset="0"/>
+            </a:endParaRPr>
+          </a:p>
+          <a:p>
+            <a:pPr lvl="1">
+              <a:buFont typeface="Wingdings" panose="05000000000000000000" pitchFamily="2" charset="2"/>
+              <a:buChar char="Ø"/>
+            </a:pPr>
+            <a:r>
+              <a:rPr lang="pt-BR" dirty="0" err="1">
+                <a:latin typeface="Arial" panose="020B0604020202020204" pitchFamily="34" charset="0"/>
+                <a:cs typeface="Arial" panose="020B0604020202020204" pitchFamily="34" charset="0"/>
+              </a:rPr>
+              <a:t>Find</a:t>
+            </a:r>
+            <a:endParaRPr lang="pt-BR" dirty="0">
+              <a:latin typeface="Arial" panose="020B0604020202020204" pitchFamily="34" charset="0"/>
+              <a:cs typeface="Arial" panose="020B0604020202020204" pitchFamily="34" charset="0"/>
+            </a:endParaRPr>
+          </a:p>
+          <a:p>
+            <a:pPr marL="457200" lvl="1" indent="0">
+              <a:buNone/>
+            </a:pPr>
+            <a:endParaRPr lang="pt-BR" dirty="0">
+              <a:latin typeface="Arial" panose="020B0604020202020204" pitchFamily="34" charset="0"/>
+              <a:cs typeface="Arial" panose="020B0604020202020204" pitchFamily="34" charset="0"/>
+            </a:endParaRPr>
+          </a:p>
+          <a:p>
+            <a:pPr>
+              <a:buFont typeface="Wingdings" panose="05000000000000000000" pitchFamily="2" charset="2"/>
+              <a:buChar char="Ø"/>
+            </a:pPr>
+            <a:r>
+              <a:rPr lang="pt-BR" dirty="0">
+                <a:latin typeface="Arial" panose="020B0604020202020204" pitchFamily="34" charset="0"/>
+                <a:cs typeface="Arial" panose="020B0604020202020204" pitchFamily="34" charset="0"/>
+              </a:rPr>
+              <a:t>Variáveis:</a:t>
+            </a:r>
+          </a:p>
+          <a:p>
+            <a:pPr lvl="1">
+              <a:buFont typeface="Wingdings" panose="05000000000000000000" pitchFamily="2" charset="2"/>
+              <a:buChar char="Ø"/>
+            </a:pPr>
+            <a:r>
+              <a:rPr lang="pt-BR" dirty="0" err="1">
+                <a:latin typeface="Arial" panose="020B0604020202020204" pitchFamily="34" charset="0"/>
+                <a:cs typeface="Arial" panose="020B0604020202020204" pitchFamily="34" charset="0"/>
+              </a:rPr>
+              <a:t>Const</a:t>
+            </a:r>
+            <a:endParaRPr lang="pt-BR" dirty="0">
+              <a:latin typeface="Arial" panose="020B0604020202020204" pitchFamily="34" charset="0"/>
+              <a:cs typeface="Arial" panose="020B0604020202020204" pitchFamily="34" charset="0"/>
+            </a:endParaRPr>
+          </a:p>
+          <a:p>
+            <a:pPr lvl="1">
+              <a:buFont typeface="Wingdings" panose="05000000000000000000" pitchFamily="2" charset="2"/>
+              <a:buChar char="Ø"/>
+            </a:pPr>
+            <a:r>
+              <a:rPr lang="pt-BR" dirty="0" err="1">
+                <a:latin typeface="Arial" panose="020B0604020202020204" pitchFamily="34" charset="0"/>
+                <a:cs typeface="Arial" panose="020B0604020202020204" pitchFamily="34" charset="0"/>
+              </a:rPr>
+              <a:t>Let</a:t>
+            </a:r>
+            <a:endParaRPr lang="pt-BR" dirty="0">
+              <a:latin typeface="Arial" panose="020B0604020202020204" pitchFamily="34" charset="0"/>
+              <a:cs typeface="Arial" panose="020B0604020202020204" pitchFamily="34" charset="0"/>
+            </a:endParaRPr>
+          </a:p>
+          <a:p>
+            <a:pPr marL="0" indent="0">
+              <a:buNone/>
+            </a:pPr>
+            <a:endParaRPr lang="pt-BR" dirty="0">
+              <a:latin typeface="Arial" panose="020B0604020202020204" pitchFamily="34" charset="0"/>
+              <a:cs typeface="Arial" panose="020B0604020202020204" pitchFamily="34" charset="0"/>
+            </a:endParaRPr>
+          </a:p>
+          <a:p>
+            <a:pPr marL="0" indent="0">
+              <a:buNone/>
+            </a:pPr>
+            <a:endParaRPr lang="pt-BR" dirty="0">
+              <a:latin typeface="Arial" panose="020B0604020202020204" pitchFamily="34" charset="0"/>
+              <a:cs typeface="Arial" panose="020B0604020202020204" pitchFamily="34" charset="0"/>
+            </a:endParaRPr>
+          </a:p>
+        </p:txBody>
+      </p:sp>
+      <p:sp>
+        <p:nvSpPr>
+          <p:cNvPr id="6" name="Título 1">
+            <a:extLst>
+              <a:ext uri="{FF2B5EF4-FFF2-40B4-BE49-F238E27FC236}">
+                <a16:creationId xmlns:a16="http://schemas.microsoft.com/office/drawing/2014/main" id="{62E1AAE0-A067-4119-BE22-1FE8351FD147}"/>
+              </a:ext>
+            </a:extLst>
+          </p:cNvPr>
+          <p:cNvSpPr txBox="1">
+            <a:spLocks/>
+          </p:cNvSpPr>
+          <p:nvPr/>
+        </p:nvSpPr>
+        <p:spPr>
+          <a:xfrm>
+            <a:off x="0" y="122968"/>
+            <a:ext cx="12192000" cy="854430"/>
+          </a:xfrm>
+          <a:prstGeom prst="rect">
+            <a:avLst/>
+          </a:prstGeom>
+        </p:spPr>
+        <p:txBody>
+          <a:bodyPr vert="horz" lIns="91440" tIns="45720" rIns="91440" bIns="45720" rtlCol="0" anchor="ctr">
+            <a:noAutofit/>
+          </a:bodyPr>
+          <a:lstStyle>
+            <a:lvl1pPr algn="l" defTabSz="914400" rtl="0" eaLnBrk="1" latinLnBrk="0" hangingPunct="1">
+              <a:lnSpc>
+                <a:spcPct val="90000"/>
+              </a:lnSpc>
+              <a:spcBef>
+                <a:spcPct val="0"/>
+              </a:spcBef>
+              <a:buNone/>
+              <a:defRPr sz="4400" kern="1200">
+                <a:solidFill>
+                  <a:schemeClr val="tx1"/>
+                </a:solidFill>
+                <a:latin typeface="+mj-lt"/>
+                <a:ea typeface="+mj-ea"/>
+                <a:cs typeface="+mj-cs"/>
+              </a:defRPr>
+            </a:lvl1pPr>
+          </a:lstStyle>
+          <a:p>
+            <a:pPr algn="ctr"/>
+            <a:r>
+              <a:rPr lang="pt-BR" sz="6600" b="1" dirty="0" err="1">
+                <a:solidFill>
+                  <a:srgbClr val="F46524"/>
+                </a:solidFill>
+                <a:latin typeface="Arial" panose="020B0604020202020204" pitchFamily="34" charset="0"/>
+                <a:cs typeface="Arial" panose="020B0604020202020204" pitchFamily="34" charset="0"/>
+              </a:rPr>
+              <a:t>ECMAScript</a:t>
+            </a:r>
+            <a:r>
+              <a:rPr lang="pt-BR" sz="6600" b="1" dirty="0">
+                <a:solidFill>
+                  <a:srgbClr val="F46524"/>
+                </a:solidFill>
+                <a:latin typeface="Arial" panose="020B0604020202020204" pitchFamily="34" charset="0"/>
+                <a:cs typeface="Arial" panose="020B0604020202020204" pitchFamily="34" charset="0"/>
+              </a:rPr>
+              <a:t> 6</a:t>
+            </a:r>
+            <a:endParaRPr lang="pt-BR" sz="7200" b="1" dirty="0">
+              <a:solidFill>
+                <a:srgbClr val="F46524"/>
+              </a:solidFill>
+              <a:latin typeface="Arial" panose="020B0604020202020204" pitchFamily="34" charset="0"/>
+              <a:cs typeface="Arial" panose="020B0604020202020204" pitchFamily="34" charset="0"/>
+            </a:endParaRPr>
+          </a:p>
+        </p:txBody>
+      </p:sp>
+      <p:pic>
+        <p:nvPicPr>
+          <p:cNvPr id="7" name="Imagem 6">
+            <a:extLst>
+              <a:ext uri="{FF2B5EF4-FFF2-40B4-BE49-F238E27FC236}">
+                <a16:creationId xmlns:a16="http://schemas.microsoft.com/office/drawing/2014/main" id="{4E6DF7A4-AA0F-4323-8CC2-D016FEA6DF7B}"/>
+              </a:ext>
+            </a:extLst>
+          </p:cNvPr>
+          <p:cNvPicPr>
+            <a:picLocks noChangeAspect="1"/>
+          </p:cNvPicPr>
+          <p:nvPr/>
+        </p:nvPicPr>
+        <p:blipFill>
+          <a:blip r:embed="rId2"/>
+          <a:stretch>
+            <a:fillRect/>
+          </a:stretch>
+        </p:blipFill>
+        <p:spPr>
+          <a:xfrm>
+            <a:off x="10258887" y="122968"/>
+            <a:ext cx="1447800" cy="790575"/>
+          </a:xfrm>
+          <a:prstGeom prst="rect">
+            <a:avLst/>
+          </a:prstGeom>
+        </p:spPr>
+      </p:pic>
+      <p:pic>
+        <p:nvPicPr>
+          <p:cNvPr id="8" name="Imagem 7">
+            <a:extLst>
+              <a:ext uri="{FF2B5EF4-FFF2-40B4-BE49-F238E27FC236}">
+                <a16:creationId xmlns:a16="http://schemas.microsoft.com/office/drawing/2014/main" id="{4A328260-2ADB-4693-9112-53AB287FD66C}"/>
+              </a:ext>
+            </a:extLst>
+          </p:cNvPr>
+          <p:cNvPicPr>
+            <a:picLocks noChangeAspect="1"/>
+          </p:cNvPicPr>
+          <p:nvPr/>
+        </p:nvPicPr>
+        <p:blipFill>
+          <a:blip r:embed="rId3"/>
+          <a:stretch>
+            <a:fillRect/>
+          </a:stretch>
+        </p:blipFill>
+        <p:spPr>
+          <a:xfrm>
+            <a:off x="0" y="0"/>
+            <a:ext cx="1419225" cy="1495425"/>
+          </a:xfrm>
+          <a:prstGeom prst="rect">
+            <a:avLst/>
+          </a:prstGeom>
+        </p:spPr>
+      </p:pic>
+    </p:spTree>
+    <p:extLst>
+      <p:ext uri="{BB962C8B-B14F-4D97-AF65-F5344CB8AC3E}">
+        <p14:creationId xmlns:p14="http://schemas.microsoft.com/office/powerpoint/2010/main" val="3220360821"/>
+      </p:ext>
+    </p:extLst>
+  </p:cSld>
+  <p:clrMapOvr>
+    <a:masterClrMapping/>
+  </p:clrMapOvr>
+  <p:timing>
+    <p:tnLst>
+      <p:par>
+        <p:cTn id="1" dur="indefinite" restart="never" nodeType="tmRoot">
+          <p:childTnLst>
+            <p:seq concurrent="1" nextAc="seek">
+              <p:cTn id="2" dur="indefinite" nodeType="mainSeq">
+                <p:childTnLst>
+                  <p:par>
+                    <p:cTn id="3" fill="hold">
+                      <p:stCondLst>
+                        <p:cond delay="indefinite"/>
+                      </p:stCondLst>
+                      <p:childTnLst>
+                        <p:par>
+                          <p:cTn id="4" fill="hold">
+                            <p:stCondLst>
+                              <p:cond delay="0"/>
+                            </p:stCondLst>
+                            <p:childTnLst>
+                              <p:par>
+                                <p:cTn id="5" presetID="2" presetClass="entr" presetSubtype="4" fill="hold" nodeType="clickEffect">
+                                  <p:stCondLst>
+                                    <p:cond delay="0"/>
+                                  </p:stCondLst>
+                                  <p:childTnLst>
+                                    <p:set>
+                                      <p:cBhvr>
+                                        <p:cTn id="6" dur="1" fill="hold">
+                                          <p:stCondLst>
+                                            <p:cond delay="0"/>
+                                          </p:stCondLst>
+                                        </p:cTn>
+                                        <p:tgtEl>
+                                          <p:spTgt spid="3">
+                                            <p:txEl>
+                                              <p:pRg st="0" end="0"/>
+                                            </p:txEl>
+                                          </p:spTgt>
+                                        </p:tgtEl>
+                                        <p:attrNameLst>
+                                          <p:attrName>style.visibility</p:attrName>
+                                        </p:attrNameLst>
+                                      </p:cBhvr>
+                                      <p:to>
+                                        <p:strVal val="visible"/>
+                                      </p:to>
+                                    </p:set>
+                                    <p:anim calcmode="lin" valueType="num">
+                                      <p:cBhvr additive="base">
+                                        <p:cTn id="7" dur="500" fill="hold"/>
+                                        <p:tgtEl>
+                                          <p:spTgt spid="3">
+                                            <p:txEl>
+                                              <p:pRg st="0" end="0"/>
+                                            </p:txEl>
+                                          </p:spTgt>
+                                        </p:tgtEl>
+                                        <p:attrNameLst>
+                                          <p:attrName>ppt_x</p:attrName>
+                                        </p:attrNameLst>
+                                      </p:cBhvr>
+                                      <p:tavLst>
+                                        <p:tav tm="0">
+                                          <p:val>
+                                            <p:strVal val="#ppt_x"/>
+                                          </p:val>
+                                        </p:tav>
+                                        <p:tav tm="100000">
+                                          <p:val>
+                                            <p:strVal val="#ppt_x"/>
+                                          </p:val>
+                                        </p:tav>
+                                      </p:tavLst>
+                                    </p:anim>
+                                    <p:anim calcmode="lin" valueType="num">
+                                      <p:cBhvr additive="base">
+                                        <p:cTn id="8" dur="500" fill="hold"/>
+                                        <p:tgtEl>
+                                          <p:spTgt spid="3">
+                                            <p:txEl>
+                                              <p:pRg st="0" end="0"/>
+                                            </p:txEl>
+                                          </p:spTgt>
+                                        </p:tgtEl>
+                                        <p:attrNameLst>
+                                          <p:attrName>ppt_y</p:attrName>
+                                        </p:attrNameLst>
+                                      </p:cBhvr>
+                                      <p:tavLst>
+                                        <p:tav tm="0">
+                                          <p:val>
+                                            <p:strVal val="1+#ppt_h/2"/>
+                                          </p:val>
+                                        </p:tav>
+                                        <p:tav tm="100000">
+                                          <p:val>
+                                            <p:strVal val="#ppt_y"/>
+                                          </p:val>
+                                        </p:tav>
+                                      </p:tavLst>
+                                    </p:anim>
+                                  </p:childTnLst>
+                                </p:cTn>
+                              </p:par>
+                            </p:childTnLst>
+                          </p:cTn>
+                        </p:par>
+                      </p:childTnLst>
+                    </p:cTn>
+                  </p:par>
+                  <p:par>
+                    <p:cTn id="9" fill="hold">
+                      <p:stCondLst>
+                        <p:cond delay="indefinite"/>
+                      </p:stCondLst>
+                      <p:childTnLst>
+                        <p:par>
+                          <p:cTn id="10" fill="hold">
+                            <p:stCondLst>
+                              <p:cond delay="0"/>
+                            </p:stCondLst>
+                            <p:childTnLst>
+                              <p:par>
+                                <p:cTn id="11" presetID="2" presetClass="entr" presetSubtype="4" fill="hold" nodeType="clickEffect">
+                                  <p:stCondLst>
+                                    <p:cond delay="0"/>
+                                  </p:stCondLst>
+                                  <p:childTnLst>
+                                    <p:set>
+                                      <p:cBhvr>
+                                        <p:cTn id="12" dur="1" fill="hold">
+                                          <p:stCondLst>
+                                            <p:cond delay="0"/>
+                                          </p:stCondLst>
+                                        </p:cTn>
+                                        <p:tgtEl>
+                                          <p:spTgt spid="3">
+                                            <p:txEl>
+                                              <p:pRg st="1" end="1"/>
+                                            </p:txEl>
+                                          </p:spTgt>
+                                        </p:tgtEl>
+                                        <p:attrNameLst>
+                                          <p:attrName>style.visibility</p:attrName>
+                                        </p:attrNameLst>
+                                      </p:cBhvr>
+                                      <p:to>
+                                        <p:strVal val="visible"/>
+                                      </p:to>
+                                    </p:set>
+                                    <p:anim calcmode="lin" valueType="num">
+                                      <p:cBhvr additive="base">
+                                        <p:cTn id="13" dur="500" fill="hold"/>
+                                        <p:tgtEl>
+                                          <p:spTgt spid="3">
+                                            <p:txEl>
+                                              <p:pRg st="1" end="1"/>
+                                            </p:txEl>
+                                          </p:spTgt>
+                                        </p:tgtEl>
+                                        <p:attrNameLst>
+                                          <p:attrName>ppt_x</p:attrName>
+                                        </p:attrNameLst>
+                                      </p:cBhvr>
+                                      <p:tavLst>
+                                        <p:tav tm="0">
+                                          <p:val>
+                                            <p:strVal val="#ppt_x"/>
+                                          </p:val>
+                                        </p:tav>
+                                        <p:tav tm="100000">
+                                          <p:val>
+                                            <p:strVal val="#ppt_x"/>
+                                          </p:val>
+                                        </p:tav>
+                                      </p:tavLst>
+                                    </p:anim>
+                                    <p:anim calcmode="lin" valueType="num">
+                                      <p:cBhvr additive="base">
+                                        <p:cTn id="14" dur="500" fill="hold"/>
+                                        <p:tgtEl>
+                                          <p:spTgt spid="3">
+                                            <p:txEl>
+                                              <p:pRg st="1" end="1"/>
+                                            </p:txEl>
+                                          </p:spTgt>
+                                        </p:tgtEl>
+                                        <p:attrNameLst>
+                                          <p:attrName>ppt_y</p:attrName>
+                                        </p:attrNameLst>
+                                      </p:cBhvr>
+                                      <p:tavLst>
+                                        <p:tav tm="0">
+                                          <p:val>
+                                            <p:strVal val="1+#ppt_h/2"/>
+                                          </p:val>
+                                        </p:tav>
+                                        <p:tav tm="100000">
+                                          <p:val>
+                                            <p:strVal val="#ppt_y"/>
+                                          </p:val>
+                                        </p:tav>
+                                      </p:tavLst>
+                                    </p:anim>
+                                  </p:childTnLst>
+                                </p:cTn>
+                              </p:par>
+                            </p:childTnLst>
+                          </p:cTn>
+                        </p:par>
+                      </p:childTnLst>
+                    </p:cTn>
+                  </p:par>
+                  <p:par>
+                    <p:cTn id="15" fill="hold">
+                      <p:stCondLst>
+                        <p:cond delay="indefinite"/>
+                      </p:stCondLst>
+                      <p:childTnLst>
+                        <p:par>
+                          <p:cTn id="16" fill="hold">
+                            <p:stCondLst>
+                              <p:cond delay="0"/>
+                            </p:stCondLst>
+                            <p:childTnLst>
+                              <p:par>
+                                <p:cTn id="17" presetID="2" presetClass="entr" presetSubtype="4" fill="hold" nodeType="clickEffect">
+                                  <p:stCondLst>
+                                    <p:cond delay="0"/>
+                                  </p:stCondLst>
+                                  <p:childTnLst>
+                                    <p:set>
+                                      <p:cBhvr>
+                                        <p:cTn id="18" dur="1" fill="hold">
+                                          <p:stCondLst>
+                                            <p:cond delay="0"/>
+                                          </p:stCondLst>
+                                        </p:cTn>
+                                        <p:tgtEl>
+                                          <p:spTgt spid="3">
+                                            <p:txEl>
+                                              <p:pRg st="2" end="2"/>
+                                            </p:txEl>
+                                          </p:spTgt>
+                                        </p:tgtEl>
+                                        <p:attrNameLst>
+                                          <p:attrName>style.visibility</p:attrName>
+                                        </p:attrNameLst>
+                                      </p:cBhvr>
+                                      <p:to>
+                                        <p:strVal val="visible"/>
+                                      </p:to>
+                                    </p:set>
+                                    <p:anim calcmode="lin" valueType="num">
+                                      <p:cBhvr additive="base">
+                                        <p:cTn id="19" dur="500" fill="hold"/>
+                                        <p:tgtEl>
+                                          <p:spTgt spid="3">
+                                            <p:txEl>
+                                              <p:pRg st="2" end="2"/>
+                                            </p:txEl>
+                                          </p:spTgt>
+                                        </p:tgtEl>
+                                        <p:attrNameLst>
+                                          <p:attrName>ppt_x</p:attrName>
+                                        </p:attrNameLst>
+                                      </p:cBhvr>
+                                      <p:tavLst>
+                                        <p:tav tm="0">
+                                          <p:val>
+                                            <p:strVal val="#ppt_x"/>
+                                          </p:val>
+                                        </p:tav>
+                                        <p:tav tm="100000">
+                                          <p:val>
+                                            <p:strVal val="#ppt_x"/>
+                                          </p:val>
+                                        </p:tav>
+                                      </p:tavLst>
+                                    </p:anim>
+                                    <p:anim calcmode="lin" valueType="num">
+                                      <p:cBhvr additive="base">
+                                        <p:cTn id="20" dur="500" fill="hold"/>
+                                        <p:tgtEl>
+                                          <p:spTgt spid="3">
+                                            <p:txEl>
+                                              <p:pRg st="2" end="2"/>
+                                            </p:txEl>
+                                          </p:spTgt>
+                                        </p:tgtEl>
+                                        <p:attrNameLst>
+                                          <p:attrName>ppt_y</p:attrName>
+                                        </p:attrNameLst>
+                                      </p:cBhvr>
+                                      <p:tavLst>
+                                        <p:tav tm="0">
+                                          <p:val>
+                                            <p:strVal val="1+#ppt_h/2"/>
+                                          </p:val>
+                                        </p:tav>
+                                        <p:tav tm="100000">
+                                          <p:val>
+                                            <p:strVal val="#ppt_y"/>
+                                          </p:val>
+                                        </p:tav>
+                                      </p:tavLst>
+                                    </p:anim>
+                                  </p:childTnLst>
+                                </p:cTn>
+                              </p:par>
+                            </p:childTnLst>
+                          </p:cTn>
+                        </p:par>
+                      </p:childTnLst>
+                    </p:cTn>
+                  </p:par>
+                  <p:par>
+                    <p:cTn id="21" fill="hold">
+                      <p:stCondLst>
+                        <p:cond delay="indefinite"/>
+                      </p:stCondLst>
+                      <p:childTnLst>
+                        <p:par>
+                          <p:cTn id="22" fill="hold">
+                            <p:stCondLst>
+                              <p:cond delay="0"/>
+                            </p:stCondLst>
+                            <p:childTnLst>
+                              <p:par>
+                                <p:cTn id="23" presetID="2" presetClass="entr" presetSubtype="4" fill="hold" nodeType="clickEffect">
+                                  <p:stCondLst>
+                                    <p:cond delay="0"/>
+                                  </p:stCondLst>
+                                  <p:childTnLst>
+                                    <p:set>
+                                      <p:cBhvr>
+                                        <p:cTn id="24" dur="1" fill="hold">
+                                          <p:stCondLst>
+                                            <p:cond delay="0"/>
+                                          </p:stCondLst>
+                                        </p:cTn>
+                                        <p:tgtEl>
+                                          <p:spTgt spid="3">
+                                            <p:txEl>
+                                              <p:pRg st="3" end="3"/>
+                                            </p:txEl>
+                                          </p:spTgt>
+                                        </p:tgtEl>
+                                        <p:attrNameLst>
+                                          <p:attrName>style.visibility</p:attrName>
+                                        </p:attrNameLst>
+                                      </p:cBhvr>
+                                      <p:to>
+                                        <p:strVal val="visible"/>
+                                      </p:to>
+                                    </p:set>
+                                    <p:anim calcmode="lin" valueType="num">
+                                      <p:cBhvr additive="base">
+                                        <p:cTn id="25" dur="500" fill="hold"/>
+                                        <p:tgtEl>
+                                          <p:spTgt spid="3">
+                                            <p:txEl>
+                                              <p:pRg st="3" end="3"/>
+                                            </p:txEl>
+                                          </p:spTgt>
+                                        </p:tgtEl>
+                                        <p:attrNameLst>
+                                          <p:attrName>ppt_x</p:attrName>
+                                        </p:attrNameLst>
+                                      </p:cBhvr>
+                                      <p:tavLst>
+                                        <p:tav tm="0">
+                                          <p:val>
+                                            <p:strVal val="#ppt_x"/>
+                                          </p:val>
+                                        </p:tav>
+                                        <p:tav tm="100000">
+                                          <p:val>
+                                            <p:strVal val="#ppt_x"/>
+                                          </p:val>
+                                        </p:tav>
+                                      </p:tavLst>
+                                    </p:anim>
+                                    <p:anim calcmode="lin" valueType="num">
+                                      <p:cBhvr additive="base">
+                                        <p:cTn id="26" dur="500" fill="hold"/>
+                                        <p:tgtEl>
+                                          <p:spTgt spid="3">
+                                            <p:txEl>
+                                              <p:pRg st="3" end="3"/>
+                                            </p:txEl>
+                                          </p:spTgt>
+                                        </p:tgtEl>
+                                        <p:attrNameLst>
+                                          <p:attrName>ppt_y</p:attrName>
+                                        </p:attrNameLst>
+                                      </p:cBhvr>
+                                      <p:tavLst>
+                                        <p:tav tm="0">
+                                          <p:val>
+                                            <p:strVal val="1+#ppt_h/2"/>
+                                          </p:val>
+                                        </p:tav>
+                                        <p:tav tm="100000">
+                                          <p:val>
+                                            <p:strVal val="#ppt_y"/>
+                                          </p:val>
+                                        </p:tav>
+                                      </p:tavLst>
+                                    </p:anim>
+                                  </p:childTnLst>
+                                </p:cTn>
+                              </p:par>
+                            </p:childTnLst>
+                          </p:cTn>
+                        </p:par>
+                      </p:childTnLst>
+                    </p:cTn>
+                  </p:par>
+                  <p:par>
+                    <p:cTn id="27" fill="hold">
+                      <p:stCondLst>
+                        <p:cond delay="indefinite"/>
+                      </p:stCondLst>
+                      <p:childTnLst>
+                        <p:par>
+                          <p:cTn id="28" fill="hold">
+                            <p:stCondLst>
+                              <p:cond delay="0"/>
+                            </p:stCondLst>
+                            <p:childTnLst>
+                              <p:par>
+                                <p:cTn id="29" presetID="2" presetClass="entr" presetSubtype="4" fill="hold" nodeType="clickEffect">
+                                  <p:stCondLst>
+                                    <p:cond delay="0"/>
+                                  </p:stCondLst>
+                                  <p:childTnLst>
+                                    <p:set>
+                                      <p:cBhvr>
+                                        <p:cTn id="30" dur="1" fill="hold">
+                                          <p:stCondLst>
+                                            <p:cond delay="0"/>
+                                          </p:stCondLst>
+                                        </p:cTn>
+                                        <p:tgtEl>
+                                          <p:spTgt spid="3">
+                                            <p:txEl>
+                                              <p:pRg st="4" end="4"/>
+                                            </p:txEl>
+                                          </p:spTgt>
+                                        </p:tgtEl>
+                                        <p:attrNameLst>
+                                          <p:attrName>style.visibility</p:attrName>
+                                        </p:attrNameLst>
+                                      </p:cBhvr>
+                                      <p:to>
+                                        <p:strVal val="visible"/>
+                                      </p:to>
+                                    </p:set>
+                                    <p:anim calcmode="lin" valueType="num">
+                                      <p:cBhvr additive="base">
+                                        <p:cTn id="31" dur="500" fill="hold"/>
+                                        <p:tgtEl>
+                                          <p:spTgt spid="3">
+                                            <p:txEl>
+                                              <p:pRg st="4" end="4"/>
+                                            </p:txEl>
+                                          </p:spTgt>
+                                        </p:tgtEl>
+                                        <p:attrNameLst>
+                                          <p:attrName>ppt_x</p:attrName>
+                                        </p:attrNameLst>
+                                      </p:cBhvr>
+                                      <p:tavLst>
+                                        <p:tav tm="0">
+                                          <p:val>
+                                            <p:strVal val="#ppt_x"/>
+                                          </p:val>
+                                        </p:tav>
+                                        <p:tav tm="100000">
+                                          <p:val>
+                                            <p:strVal val="#ppt_x"/>
+                                          </p:val>
+                                        </p:tav>
+                                      </p:tavLst>
+                                    </p:anim>
+                                    <p:anim calcmode="lin" valueType="num">
+                                      <p:cBhvr additive="base">
+                                        <p:cTn id="32" dur="500" fill="hold"/>
+                                        <p:tgtEl>
+                                          <p:spTgt spid="3">
+                                            <p:txEl>
+                                              <p:pRg st="4" end="4"/>
+                                            </p:txEl>
+                                          </p:spTgt>
+                                        </p:tgtEl>
+                                        <p:attrNameLst>
+                                          <p:attrName>ppt_y</p:attrName>
+                                        </p:attrNameLst>
+                                      </p:cBhvr>
+                                      <p:tavLst>
+                                        <p:tav tm="0">
+                                          <p:val>
+                                            <p:strVal val="1+#ppt_h/2"/>
+                                          </p:val>
+                                        </p:tav>
+                                        <p:tav tm="100000">
+                                          <p:val>
+                                            <p:strVal val="#ppt_y"/>
+                                          </p:val>
+                                        </p:tav>
+                                      </p:tavLst>
+                                    </p:anim>
+                                  </p:childTnLst>
+                                </p:cTn>
+                              </p:par>
+                            </p:childTnLst>
+                          </p:cTn>
+                        </p:par>
+                      </p:childTnLst>
+                    </p:cTn>
+                  </p:par>
+                  <p:par>
+                    <p:cTn id="33" fill="hold">
+                      <p:stCondLst>
+                        <p:cond delay="indefinite"/>
+                      </p:stCondLst>
+                      <p:childTnLst>
+                        <p:par>
+                          <p:cTn id="34" fill="hold">
+                            <p:stCondLst>
+                              <p:cond delay="0"/>
+                            </p:stCondLst>
+                            <p:childTnLst>
+                              <p:par>
+                                <p:cTn id="35" presetID="2" presetClass="entr" presetSubtype="4" fill="hold" nodeType="clickEffect">
+                                  <p:stCondLst>
+                                    <p:cond delay="0"/>
+                                  </p:stCondLst>
+                                  <p:childTnLst>
+                                    <p:set>
+                                      <p:cBhvr>
+                                        <p:cTn id="36" dur="1" fill="hold">
+                                          <p:stCondLst>
+                                            <p:cond delay="0"/>
+                                          </p:stCondLst>
+                                        </p:cTn>
+                                        <p:tgtEl>
+                                          <p:spTgt spid="3">
+                                            <p:txEl>
+                                              <p:pRg st="6" end="6"/>
+                                            </p:txEl>
+                                          </p:spTgt>
+                                        </p:tgtEl>
+                                        <p:attrNameLst>
+                                          <p:attrName>style.visibility</p:attrName>
+                                        </p:attrNameLst>
+                                      </p:cBhvr>
+                                      <p:to>
+                                        <p:strVal val="visible"/>
+                                      </p:to>
+                                    </p:set>
+                                    <p:anim calcmode="lin" valueType="num">
+                                      <p:cBhvr additive="base">
+                                        <p:cTn id="37" dur="500" fill="hold"/>
+                                        <p:tgtEl>
+                                          <p:spTgt spid="3">
+                                            <p:txEl>
+                                              <p:pRg st="6" end="6"/>
+                                            </p:txEl>
+                                          </p:spTgt>
+                                        </p:tgtEl>
+                                        <p:attrNameLst>
+                                          <p:attrName>ppt_x</p:attrName>
+                                        </p:attrNameLst>
+                                      </p:cBhvr>
+                                      <p:tavLst>
+                                        <p:tav tm="0">
+                                          <p:val>
+                                            <p:strVal val="#ppt_x"/>
+                                          </p:val>
+                                        </p:tav>
+                                        <p:tav tm="100000">
+                                          <p:val>
+                                            <p:strVal val="#ppt_x"/>
+                                          </p:val>
+                                        </p:tav>
+                                      </p:tavLst>
+                                    </p:anim>
+                                    <p:anim calcmode="lin" valueType="num">
+                                      <p:cBhvr additive="base">
+                                        <p:cTn id="38" dur="500" fill="hold"/>
+                                        <p:tgtEl>
+                                          <p:spTgt spid="3">
+                                            <p:txEl>
+                                              <p:pRg st="6" end="6"/>
+                                            </p:txEl>
+                                          </p:spTgt>
+                                        </p:tgtEl>
+                                        <p:attrNameLst>
+                                          <p:attrName>ppt_y</p:attrName>
+                                        </p:attrNameLst>
+                                      </p:cBhvr>
+                                      <p:tavLst>
+                                        <p:tav tm="0">
+                                          <p:val>
+                                            <p:strVal val="1+#ppt_h/2"/>
+                                          </p:val>
+                                        </p:tav>
+                                        <p:tav tm="100000">
+                                          <p:val>
+                                            <p:strVal val="#ppt_y"/>
+                                          </p:val>
+                                        </p:tav>
+                                      </p:tavLst>
+                                    </p:anim>
+                                  </p:childTnLst>
+                                </p:cTn>
+                              </p:par>
+                            </p:childTnLst>
+                          </p:cTn>
+                        </p:par>
+                      </p:childTnLst>
+                    </p:cTn>
+                  </p:par>
+                  <p:par>
+                    <p:cTn id="39" fill="hold">
+                      <p:stCondLst>
+                        <p:cond delay="indefinite"/>
+                      </p:stCondLst>
+                      <p:childTnLst>
+                        <p:par>
+                          <p:cTn id="40" fill="hold">
+                            <p:stCondLst>
+                              <p:cond delay="0"/>
+                            </p:stCondLst>
+                            <p:childTnLst>
+                              <p:par>
+                                <p:cTn id="41" presetID="2" presetClass="entr" presetSubtype="4" fill="hold" nodeType="clickEffect">
+                                  <p:stCondLst>
+                                    <p:cond delay="0"/>
+                                  </p:stCondLst>
+                                  <p:childTnLst>
+                                    <p:set>
+                                      <p:cBhvr>
+                                        <p:cTn id="42" dur="1" fill="hold">
+                                          <p:stCondLst>
+                                            <p:cond delay="0"/>
+                                          </p:stCondLst>
+                                        </p:cTn>
+                                        <p:tgtEl>
+                                          <p:spTgt spid="3">
+                                            <p:txEl>
+                                              <p:pRg st="7" end="7"/>
+                                            </p:txEl>
+                                          </p:spTgt>
+                                        </p:tgtEl>
+                                        <p:attrNameLst>
+                                          <p:attrName>style.visibility</p:attrName>
+                                        </p:attrNameLst>
+                                      </p:cBhvr>
+                                      <p:to>
+                                        <p:strVal val="visible"/>
+                                      </p:to>
+                                    </p:set>
+                                    <p:anim calcmode="lin" valueType="num">
+                                      <p:cBhvr additive="base">
+                                        <p:cTn id="43" dur="500" fill="hold"/>
+                                        <p:tgtEl>
+                                          <p:spTgt spid="3">
+                                            <p:txEl>
+                                              <p:pRg st="7" end="7"/>
+                                            </p:txEl>
+                                          </p:spTgt>
+                                        </p:tgtEl>
+                                        <p:attrNameLst>
+                                          <p:attrName>ppt_x</p:attrName>
+                                        </p:attrNameLst>
+                                      </p:cBhvr>
+                                      <p:tavLst>
+                                        <p:tav tm="0">
+                                          <p:val>
+                                            <p:strVal val="#ppt_x"/>
+                                          </p:val>
+                                        </p:tav>
+                                        <p:tav tm="100000">
+                                          <p:val>
+                                            <p:strVal val="#ppt_x"/>
+                                          </p:val>
+                                        </p:tav>
+                                      </p:tavLst>
+                                    </p:anim>
+                                    <p:anim calcmode="lin" valueType="num">
+                                      <p:cBhvr additive="base">
+                                        <p:cTn id="44" dur="500" fill="hold"/>
+                                        <p:tgtEl>
+                                          <p:spTgt spid="3">
+                                            <p:txEl>
+                                              <p:pRg st="7" end="7"/>
+                                            </p:txEl>
+                                          </p:spTgt>
+                                        </p:tgtEl>
+                                        <p:attrNameLst>
+                                          <p:attrName>ppt_y</p:attrName>
+                                        </p:attrNameLst>
+                                      </p:cBhvr>
+                                      <p:tavLst>
+                                        <p:tav tm="0">
+                                          <p:val>
+                                            <p:strVal val="1+#ppt_h/2"/>
+                                          </p:val>
+                                        </p:tav>
+                                        <p:tav tm="100000">
+                                          <p:val>
+                                            <p:strVal val="#ppt_y"/>
+                                          </p:val>
+                                        </p:tav>
+                                      </p:tavLst>
+                                    </p:anim>
+                                  </p:childTnLst>
+                                </p:cTn>
+                              </p:par>
+                            </p:childTnLst>
+                          </p:cTn>
+                        </p:par>
+                      </p:childTnLst>
+                    </p:cTn>
+                  </p:par>
+                  <p:par>
+                    <p:cTn id="45" fill="hold">
+                      <p:stCondLst>
+                        <p:cond delay="indefinite"/>
+                      </p:stCondLst>
+                      <p:childTnLst>
+                        <p:par>
+                          <p:cTn id="46" fill="hold">
+                            <p:stCondLst>
+                              <p:cond delay="0"/>
+                            </p:stCondLst>
+                            <p:childTnLst>
+                              <p:par>
+                                <p:cTn id="47" presetID="2" presetClass="entr" presetSubtype="4" fill="hold" nodeType="clickEffect">
+                                  <p:stCondLst>
+                                    <p:cond delay="0"/>
+                                  </p:stCondLst>
+                                  <p:childTnLst>
+                                    <p:set>
+                                      <p:cBhvr>
+                                        <p:cTn id="48" dur="1" fill="hold">
+                                          <p:stCondLst>
+                                            <p:cond delay="0"/>
+                                          </p:stCondLst>
+                                        </p:cTn>
+                                        <p:tgtEl>
+                                          <p:spTgt spid="3">
+                                            <p:txEl>
+                                              <p:pRg st="8" end="8"/>
+                                            </p:txEl>
+                                          </p:spTgt>
+                                        </p:tgtEl>
+                                        <p:attrNameLst>
+                                          <p:attrName>style.visibility</p:attrName>
+                                        </p:attrNameLst>
+                                      </p:cBhvr>
+                                      <p:to>
+                                        <p:strVal val="visible"/>
+                                      </p:to>
+                                    </p:set>
+                                    <p:anim calcmode="lin" valueType="num">
+                                      <p:cBhvr additive="base">
+                                        <p:cTn id="49" dur="500" fill="hold"/>
+                                        <p:tgtEl>
+                                          <p:spTgt spid="3">
+                                            <p:txEl>
+                                              <p:pRg st="8" end="8"/>
+                                            </p:txEl>
+                                          </p:spTgt>
+                                        </p:tgtEl>
+                                        <p:attrNameLst>
+                                          <p:attrName>ppt_x</p:attrName>
+                                        </p:attrNameLst>
+                                      </p:cBhvr>
+                                      <p:tavLst>
+                                        <p:tav tm="0">
+                                          <p:val>
+                                            <p:strVal val="#ppt_x"/>
+                                          </p:val>
+                                        </p:tav>
+                                        <p:tav tm="100000">
+                                          <p:val>
+                                            <p:strVal val="#ppt_x"/>
+                                          </p:val>
+                                        </p:tav>
+                                      </p:tavLst>
+                                    </p:anim>
+                                    <p:anim calcmode="lin" valueType="num">
+                                      <p:cBhvr additive="base">
+                                        <p:cTn id="50" dur="500" fill="hold"/>
+                                        <p:tgtEl>
+                                          <p:spTgt spid="3">
+                                            <p:txEl>
+                                              <p:pRg st="8" end="8"/>
+                                            </p:txEl>
+                                          </p:spTgt>
+                                        </p:tgtEl>
+                                        <p:attrNameLst>
+                                          <p:attrName>ppt_y</p:attrName>
+                                        </p:attrNameLst>
+                                      </p:cBhvr>
+                                      <p:tavLst>
+                                        <p:tav tm="0">
+                                          <p:val>
+                                            <p:strVal val="1+#ppt_h/2"/>
+                                          </p:val>
+                                        </p:tav>
+                                        <p:tav tm="100000">
+                                          <p:val>
+                                            <p:strVal val="#ppt_y"/>
+                                          </p:val>
+                                        </p:tav>
+                                      </p:tavLst>
+                                    </p:anim>
+                                  </p:childTnLst>
+                                </p:cTn>
+                              </p:par>
+                            </p:childTnLst>
+                          </p:cTn>
+                        </p:par>
+                      </p:childTnLst>
+                    </p:cTn>
+                  </p:par>
+                </p:childTnLst>
+              </p:cTn>
+              <p:prevCondLst>
+                <p:cond evt="onPrev" delay="0">
+                  <p:tgtEl>
+                    <p:sldTgt/>
+                  </p:tgtEl>
+                </p:cond>
+              </p:prevCondLst>
+              <p:nextCondLst>
+                <p:cond evt="onNext" delay="0">
+                  <p:tgtEl>
+                    <p:sldTgt/>
+                  </p:tgtEl>
+                </p:cond>
+              </p:nextCondLst>
+            </p:seq>
+          </p:childTnLst>
+        </p:cTn>
+      </p:par>
+    </p:tnLst>
+  </p:timing>
 </p:sld>
 </file>
 

--- a/material/ReactAula2.pptx
+++ b/material/ReactAula2.pptx
@@ -10,6 +10,12 @@
     <p:sldId id="258" r:id="rId4"/>
     <p:sldId id="266" r:id="rId5"/>
     <p:sldId id="267" r:id="rId6"/>
+    <p:sldId id="268" r:id="rId7"/>
+    <p:sldId id="270" r:id="rId8"/>
+    <p:sldId id="271" r:id="rId9"/>
+    <p:sldId id="272" r:id="rId10"/>
+    <p:sldId id="273" r:id="rId11"/>
+    <p:sldId id="269" r:id="rId12"/>
   </p:sldIdLst>
   <p:sldSz cx="12192000" cy="6858000"/>
   <p:notesSz cx="6858000" cy="9144000"/>
@@ -3572,6 +3578,394 @@
     <p:extLst>
       <p:ext uri="{BB962C8B-B14F-4D97-AF65-F5344CB8AC3E}">
         <p14:creationId xmlns:p14="http://schemas.microsoft.com/office/powerpoint/2010/main" val="374537655"/>
+      </p:ext>
+    </p:extLst>
+  </p:cSld>
+  <p:clrMapOvr>
+    <a:masterClrMapping/>
+  </p:clrMapOvr>
+</p:sld>
+</file>
+
+<file path=ppt/slides/slide10.xml><?xml version="1.0" encoding="utf-8"?>
+<p:sld xmlns:a="http://schemas.openxmlformats.org/drawingml/2006/main" xmlns:r="http://schemas.openxmlformats.org/officeDocument/2006/relationships" xmlns:p="http://schemas.openxmlformats.org/presentationml/2006/main">
+  <p:cSld>
+    <p:spTree>
+      <p:nvGrpSpPr>
+        <p:cNvPr id="1" name=""/>
+        <p:cNvGrpSpPr/>
+        <p:nvPr/>
+      </p:nvGrpSpPr>
+      <p:grpSpPr>
+        <a:xfrm>
+          <a:off x="0" y="0"/>
+          <a:ext cx="0" cy="0"/>
+          <a:chOff x="0" y="0"/>
+          <a:chExt cx="0" cy="0"/>
+        </a:xfrm>
+      </p:grpSpPr>
+      <p:sp>
+        <p:nvSpPr>
+          <p:cNvPr id="6" name="Título 1">
+            <a:extLst>
+              <a:ext uri="{FF2B5EF4-FFF2-40B4-BE49-F238E27FC236}">
+                <a16:creationId xmlns:a16="http://schemas.microsoft.com/office/drawing/2014/main" id="{62E1AAE0-A067-4119-BE22-1FE8351FD147}"/>
+              </a:ext>
+            </a:extLst>
+          </p:cNvPr>
+          <p:cNvSpPr txBox="1">
+            <a:spLocks/>
+          </p:cNvSpPr>
+          <p:nvPr/>
+        </p:nvSpPr>
+        <p:spPr>
+          <a:xfrm>
+            <a:off x="0" y="122968"/>
+            <a:ext cx="12192000" cy="854430"/>
+          </a:xfrm>
+          <a:prstGeom prst="rect">
+            <a:avLst/>
+          </a:prstGeom>
+        </p:spPr>
+        <p:txBody>
+          <a:bodyPr vert="horz" lIns="91440" tIns="45720" rIns="91440" bIns="45720" rtlCol="0" anchor="ctr">
+            <a:noAutofit/>
+          </a:bodyPr>
+          <a:lstStyle>
+            <a:lvl1pPr algn="l" defTabSz="914400" rtl="0" eaLnBrk="1" latinLnBrk="0" hangingPunct="1">
+              <a:lnSpc>
+                <a:spcPct val="90000"/>
+              </a:lnSpc>
+              <a:spcBef>
+                <a:spcPct val="0"/>
+              </a:spcBef>
+              <a:buNone/>
+              <a:defRPr sz="4400" kern="1200">
+                <a:solidFill>
+                  <a:schemeClr val="tx1"/>
+                </a:solidFill>
+                <a:latin typeface="+mj-lt"/>
+                <a:ea typeface="+mj-ea"/>
+                <a:cs typeface="+mj-cs"/>
+              </a:defRPr>
+            </a:lvl1pPr>
+          </a:lstStyle>
+          <a:p>
+            <a:pPr algn="ctr"/>
+            <a:r>
+              <a:rPr lang="pt-BR" sz="6600" b="1" dirty="0" err="1">
+                <a:solidFill>
+                  <a:srgbClr val="F46524"/>
+                </a:solidFill>
+                <a:latin typeface="Arial" panose="020B0604020202020204" pitchFamily="34" charset="0"/>
+                <a:cs typeface="Arial" panose="020B0604020202020204" pitchFamily="34" charset="0"/>
+              </a:rPr>
+              <a:t>Context</a:t>
+            </a:r>
+            <a:r>
+              <a:rPr lang="pt-BR" sz="6600" b="1" dirty="0">
+                <a:solidFill>
+                  <a:srgbClr val="F46524"/>
+                </a:solidFill>
+                <a:latin typeface="Arial" panose="020B0604020202020204" pitchFamily="34" charset="0"/>
+                <a:cs typeface="Arial" panose="020B0604020202020204" pitchFamily="34" charset="0"/>
+              </a:rPr>
+              <a:t> API</a:t>
+            </a:r>
+            <a:endParaRPr lang="pt-BR" sz="7200" b="1" dirty="0">
+              <a:solidFill>
+                <a:srgbClr val="F46524"/>
+              </a:solidFill>
+              <a:latin typeface="Arial" panose="020B0604020202020204" pitchFamily="34" charset="0"/>
+              <a:cs typeface="Arial" panose="020B0604020202020204" pitchFamily="34" charset="0"/>
+            </a:endParaRPr>
+          </a:p>
+        </p:txBody>
+      </p:sp>
+      <p:pic>
+        <p:nvPicPr>
+          <p:cNvPr id="7" name="Imagem 6">
+            <a:extLst>
+              <a:ext uri="{FF2B5EF4-FFF2-40B4-BE49-F238E27FC236}">
+                <a16:creationId xmlns:a16="http://schemas.microsoft.com/office/drawing/2014/main" id="{4E6DF7A4-AA0F-4323-8CC2-D016FEA6DF7B}"/>
+              </a:ext>
+            </a:extLst>
+          </p:cNvPr>
+          <p:cNvPicPr>
+            <a:picLocks noChangeAspect="1"/>
+          </p:cNvPicPr>
+          <p:nvPr/>
+        </p:nvPicPr>
+        <p:blipFill>
+          <a:blip r:embed="rId2"/>
+          <a:stretch>
+            <a:fillRect/>
+          </a:stretch>
+        </p:blipFill>
+        <p:spPr>
+          <a:xfrm>
+            <a:off x="10258887" y="122968"/>
+            <a:ext cx="1447800" cy="790575"/>
+          </a:xfrm>
+          <a:prstGeom prst="rect">
+            <a:avLst/>
+          </a:prstGeom>
+        </p:spPr>
+      </p:pic>
+      <p:pic>
+        <p:nvPicPr>
+          <p:cNvPr id="8" name="Imagem 7">
+            <a:extLst>
+              <a:ext uri="{FF2B5EF4-FFF2-40B4-BE49-F238E27FC236}">
+                <a16:creationId xmlns:a16="http://schemas.microsoft.com/office/drawing/2014/main" id="{4A328260-2ADB-4693-9112-53AB287FD66C}"/>
+              </a:ext>
+            </a:extLst>
+          </p:cNvPr>
+          <p:cNvPicPr>
+            <a:picLocks noChangeAspect="1"/>
+          </p:cNvPicPr>
+          <p:nvPr/>
+        </p:nvPicPr>
+        <p:blipFill>
+          <a:blip r:embed="rId3"/>
+          <a:stretch>
+            <a:fillRect/>
+          </a:stretch>
+        </p:blipFill>
+        <p:spPr>
+          <a:xfrm>
+            <a:off x="0" y="0"/>
+            <a:ext cx="1419225" cy="1495425"/>
+          </a:xfrm>
+          <a:prstGeom prst="rect">
+            <a:avLst/>
+          </a:prstGeom>
+        </p:spPr>
+      </p:pic>
+      <p:pic>
+        <p:nvPicPr>
+          <p:cNvPr id="5" name="Espaço Reservado para Conteúdo 4">
+            <a:extLst>
+              <a:ext uri="{FF2B5EF4-FFF2-40B4-BE49-F238E27FC236}">
+                <a16:creationId xmlns:a16="http://schemas.microsoft.com/office/drawing/2014/main" id="{AA2F177A-97BD-46C8-B2A3-9D0D49C2A382}"/>
+              </a:ext>
+            </a:extLst>
+          </p:cNvPr>
+          <p:cNvPicPr>
+            <a:picLocks noGrp="1" noChangeAspect="1"/>
+          </p:cNvPicPr>
+          <p:nvPr>
+            <p:ph idx="1"/>
+          </p:nvPr>
+        </p:nvPicPr>
+        <p:blipFill>
+          <a:blip r:embed="rId4"/>
+          <a:stretch>
+            <a:fillRect/>
+          </a:stretch>
+        </p:blipFill>
+        <p:spPr>
+          <a:xfrm>
+            <a:off x="3252787" y="1986756"/>
+            <a:ext cx="5686425" cy="4029075"/>
+          </a:xfrm>
+          <a:prstGeom prst="rect">
+            <a:avLst/>
+          </a:prstGeom>
+        </p:spPr>
+      </p:pic>
+    </p:spTree>
+    <p:extLst>
+      <p:ext uri="{BB962C8B-B14F-4D97-AF65-F5344CB8AC3E}">
+        <p14:creationId xmlns:p14="http://schemas.microsoft.com/office/powerpoint/2010/main" val="1191404386"/>
+      </p:ext>
+    </p:extLst>
+  </p:cSld>
+  <p:clrMapOvr>
+    <a:masterClrMapping/>
+  </p:clrMapOvr>
+</p:sld>
+</file>
+
+<file path=ppt/slides/slide11.xml><?xml version="1.0" encoding="utf-8"?>
+<p:sld xmlns:a="http://schemas.openxmlformats.org/drawingml/2006/main" xmlns:r="http://schemas.openxmlformats.org/officeDocument/2006/relationships" xmlns:p="http://schemas.openxmlformats.org/presentationml/2006/main">
+  <p:cSld>
+    <p:spTree>
+      <p:nvGrpSpPr>
+        <p:cNvPr id="1" name=""/>
+        <p:cNvGrpSpPr/>
+        <p:nvPr/>
+      </p:nvGrpSpPr>
+      <p:grpSpPr>
+        <a:xfrm>
+          <a:off x="0" y="0"/>
+          <a:ext cx="0" cy="0"/>
+          <a:chOff x="0" y="0"/>
+          <a:chExt cx="0" cy="0"/>
+        </a:xfrm>
+      </p:grpSpPr>
+      <p:sp>
+        <p:nvSpPr>
+          <p:cNvPr id="3" name="Espaço Reservado para Conteúdo 2">
+            <a:extLst>
+              <a:ext uri="{FF2B5EF4-FFF2-40B4-BE49-F238E27FC236}">
+                <a16:creationId xmlns:a16="http://schemas.microsoft.com/office/drawing/2014/main" id="{1C54187F-8492-4796-96CD-9E4382E87C6F}"/>
+              </a:ext>
+            </a:extLst>
+          </p:cNvPr>
+          <p:cNvSpPr>
+            <a:spLocks noGrp="1"/>
+          </p:cNvSpPr>
+          <p:nvPr>
+            <p:ph idx="1"/>
+          </p:nvPr>
+        </p:nvSpPr>
+        <p:spPr/>
+        <p:txBody>
+          <a:bodyPr>
+            <a:normAutofit/>
+          </a:bodyPr>
+          <a:lstStyle/>
+          <a:p>
+            <a:pPr>
+              <a:buFont typeface="Wingdings" panose="05000000000000000000" pitchFamily="2" charset="2"/>
+              <a:buChar char="Ø"/>
+            </a:pPr>
+            <a:r>
+              <a:rPr lang="pt-BR" dirty="0">
+                <a:latin typeface="Arial" panose="020B0604020202020204" pitchFamily="34" charset="0"/>
+                <a:cs typeface="Arial" panose="020B0604020202020204" pitchFamily="34" charset="0"/>
+              </a:rPr>
+              <a:t>https://medium.com/reactbrasil/entendendo-a-context-api-do-react-criando-um-componente-de-loading-a84f84007dc7</a:t>
+            </a:r>
+          </a:p>
+        </p:txBody>
+      </p:sp>
+      <p:sp>
+        <p:nvSpPr>
+          <p:cNvPr id="6" name="Título 1">
+            <a:extLst>
+              <a:ext uri="{FF2B5EF4-FFF2-40B4-BE49-F238E27FC236}">
+                <a16:creationId xmlns:a16="http://schemas.microsoft.com/office/drawing/2014/main" id="{62E1AAE0-A067-4119-BE22-1FE8351FD147}"/>
+              </a:ext>
+            </a:extLst>
+          </p:cNvPr>
+          <p:cNvSpPr txBox="1">
+            <a:spLocks/>
+          </p:cNvSpPr>
+          <p:nvPr/>
+        </p:nvSpPr>
+        <p:spPr>
+          <a:xfrm>
+            <a:off x="0" y="122968"/>
+            <a:ext cx="12192000" cy="854430"/>
+          </a:xfrm>
+          <a:prstGeom prst="rect">
+            <a:avLst/>
+          </a:prstGeom>
+        </p:spPr>
+        <p:txBody>
+          <a:bodyPr vert="horz" lIns="91440" tIns="45720" rIns="91440" bIns="45720" rtlCol="0" anchor="ctr">
+            <a:noAutofit/>
+          </a:bodyPr>
+          <a:lstStyle>
+            <a:lvl1pPr algn="l" defTabSz="914400" rtl="0" eaLnBrk="1" latinLnBrk="0" hangingPunct="1">
+              <a:lnSpc>
+                <a:spcPct val="90000"/>
+              </a:lnSpc>
+              <a:spcBef>
+                <a:spcPct val="0"/>
+              </a:spcBef>
+              <a:buNone/>
+              <a:defRPr sz="4400" kern="1200">
+                <a:solidFill>
+                  <a:schemeClr val="tx1"/>
+                </a:solidFill>
+                <a:latin typeface="+mj-lt"/>
+                <a:ea typeface="+mj-ea"/>
+                <a:cs typeface="+mj-cs"/>
+              </a:defRPr>
+            </a:lvl1pPr>
+          </a:lstStyle>
+          <a:p>
+            <a:pPr algn="ctr"/>
+            <a:r>
+              <a:rPr lang="pt-BR" sz="7200" b="1" dirty="0">
+                <a:solidFill>
+                  <a:srgbClr val="F46524"/>
+                </a:solidFill>
+                <a:latin typeface="Arial" panose="020B0604020202020204" pitchFamily="34" charset="0"/>
+                <a:cs typeface="Arial" panose="020B0604020202020204" pitchFamily="34" charset="0"/>
+              </a:rPr>
+              <a:t>Referências</a:t>
+            </a:r>
+          </a:p>
+        </p:txBody>
+      </p:sp>
+      <p:pic>
+        <p:nvPicPr>
+          <p:cNvPr id="7" name="Imagem 6">
+            <a:extLst>
+              <a:ext uri="{FF2B5EF4-FFF2-40B4-BE49-F238E27FC236}">
+                <a16:creationId xmlns:a16="http://schemas.microsoft.com/office/drawing/2014/main" id="{4E6DF7A4-AA0F-4323-8CC2-D016FEA6DF7B}"/>
+              </a:ext>
+            </a:extLst>
+          </p:cNvPr>
+          <p:cNvPicPr>
+            <a:picLocks noChangeAspect="1"/>
+          </p:cNvPicPr>
+          <p:nvPr/>
+        </p:nvPicPr>
+        <p:blipFill>
+          <a:blip r:embed="rId2"/>
+          <a:stretch>
+            <a:fillRect/>
+          </a:stretch>
+        </p:blipFill>
+        <p:spPr>
+          <a:xfrm>
+            <a:off x="10258887" y="122968"/>
+            <a:ext cx="1447800" cy="790575"/>
+          </a:xfrm>
+          <a:prstGeom prst="rect">
+            <a:avLst/>
+          </a:prstGeom>
+        </p:spPr>
+      </p:pic>
+      <p:pic>
+        <p:nvPicPr>
+          <p:cNvPr id="8" name="Imagem 7">
+            <a:extLst>
+              <a:ext uri="{FF2B5EF4-FFF2-40B4-BE49-F238E27FC236}">
+                <a16:creationId xmlns:a16="http://schemas.microsoft.com/office/drawing/2014/main" id="{4A328260-2ADB-4693-9112-53AB287FD66C}"/>
+              </a:ext>
+            </a:extLst>
+          </p:cNvPr>
+          <p:cNvPicPr>
+            <a:picLocks noChangeAspect="1"/>
+          </p:cNvPicPr>
+          <p:nvPr/>
+        </p:nvPicPr>
+        <p:blipFill>
+          <a:blip r:embed="rId3"/>
+          <a:stretch>
+            <a:fillRect/>
+          </a:stretch>
+        </p:blipFill>
+        <p:spPr>
+          <a:xfrm>
+            <a:off x="0" y="0"/>
+            <a:ext cx="1419225" cy="1495425"/>
+          </a:xfrm>
+          <a:prstGeom prst="rect">
+            <a:avLst/>
+          </a:prstGeom>
+        </p:spPr>
+      </p:pic>
+    </p:spTree>
+    <p:extLst>
+      <p:ext uri="{BB962C8B-B14F-4D97-AF65-F5344CB8AC3E}">
+        <p14:creationId xmlns:p14="http://schemas.microsoft.com/office/powerpoint/2010/main" val="2433983233"/>
       </p:ext>
     </p:extLst>
   </p:cSld>
@@ -6219,6 +6613,862 @@
 </p:sld>
 </file>
 
+<file path=ppt/slides/slide6.xml><?xml version="1.0" encoding="utf-8"?>
+<p:sld xmlns:a="http://schemas.openxmlformats.org/drawingml/2006/main" xmlns:r="http://schemas.openxmlformats.org/officeDocument/2006/relationships" xmlns:p="http://schemas.openxmlformats.org/presentationml/2006/main">
+  <p:cSld>
+    <p:spTree>
+      <p:nvGrpSpPr>
+        <p:cNvPr id="1" name=""/>
+        <p:cNvGrpSpPr/>
+        <p:nvPr/>
+      </p:nvGrpSpPr>
+      <p:grpSpPr>
+        <a:xfrm>
+          <a:off x="0" y="0"/>
+          <a:ext cx="0" cy="0"/>
+          <a:chOff x="0" y="0"/>
+          <a:chExt cx="0" cy="0"/>
+        </a:xfrm>
+      </p:grpSpPr>
+      <p:sp>
+        <p:nvSpPr>
+          <p:cNvPr id="3" name="Espaço Reservado para Conteúdo 2">
+            <a:extLst>
+              <a:ext uri="{FF2B5EF4-FFF2-40B4-BE49-F238E27FC236}">
+                <a16:creationId xmlns:a16="http://schemas.microsoft.com/office/drawing/2014/main" id="{1C54187F-8492-4796-96CD-9E4382E87C6F}"/>
+              </a:ext>
+            </a:extLst>
+          </p:cNvPr>
+          <p:cNvSpPr>
+            <a:spLocks noGrp="1"/>
+          </p:cNvSpPr>
+          <p:nvPr>
+            <p:ph idx="1"/>
+          </p:nvPr>
+        </p:nvSpPr>
+        <p:spPr/>
+        <p:txBody>
+          <a:bodyPr>
+            <a:normAutofit/>
+          </a:bodyPr>
+          <a:lstStyle/>
+          <a:p>
+            <a:pPr>
+              <a:buFont typeface="Wingdings" panose="05000000000000000000" pitchFamily="2" charset="2"/>
+              <a:buChar char="Ø"/>
+            </a:pPr>
+            <a:r>
+              <a:rPr lang="pt-BR" dirty="0">
+                <a:latin typeface="Arial" panose="020B0604020202020204" pitchFamily="34" charset="0"/>
+                <a:cs typeface="Arial" panose="020B0604020202020204" pitchFamily="34" charset="0"/>
+              </a:rPr>
+              <a:t>https://repl.it/repls/RuralNoteworthyApi</a:t>
+            </a:r>
+          </a:p>
+          <a:p>
+            <a:pPr marL="0" indent="0">
+              <a:buNone/>
+            </a:pPr>
+            <a:endParaRPr lang="pt-BR" dirty="0">
+              <a:latin typeface="Arial" panose="020B0604020202020204" pitchFamily="34" charset="0"/>
+              <a:cs typeface="Arial" panose="020B0604020202020204" pitchFamily="34" charset="0"/>
+            </a:endParaRPr>
+          </a:p>
+        </p:txBody>
+      </p:sp>
+      <p:sp>
+        <p:nvSpPr>
+          <p:cNvPr id="6" name="Título 1">
+            <a:extLst>
+              <a:ext uri="{FF2B5EF4-FFF2-40B4-BE49-F238E27FC236}">
+                <a16:creationId xmlns:a16="http://schemas.microsoft.com/office/drawing/2014/main" id="{62E1AAE0-A067-4119-BE22-1FE8351FD147}"/>
+              </a:ext>
+            </a:extLst>
+          </p:cNvPr>
+          <p:cNvSpPr txBox="1">
+            <a:spLocks/>
+          </p:cNvSpPr>
+          <p:nvPr/>
+        </p:nvSpPr>
+        <p:spPr>
+          <a:xfrm>
+            <a:off x="0" y="122968"/>
+            <a:ext cx="12192000" cy="854430"/>
+          </a:xfrm>
+          <a:prstGeom prst="rect">
+            <a:avLst/>
+          </a:prstGeom>
+        </p:spPr>
+        <p:txBody>
+          <a:bodyPr vert="horz" lIns="91440" tIns="45720" rIns="91440" bIns="45720" rtlCol="0" anchor="ctr">
+            <a:noAutofit/>
+          </a:bodyPr>
+          <a:lstStyle>
+            <a:lvl1pPr algn="l" defTabSz="914400" rtl="0" eaLnBrk="1" latinLnBrk="0" hangingPunct="1">
+              <a:lnSpc>
+                <a:spcPct val="90000"/>
+              </a:lnSpc>
+              <a:spcBef>
+                <a:spcPct val="0"/>
+              </a:spcBef>
+              <a:buNone/>
+              <a:defRPr sz="4400" kern="1200">
+                <a:solidFill>
+                  <a:schemeClr val="tx1"/>
+                </a:solidFill>
+                <a:latin typeface="+mj-lt"/>
+                <a:ea typeface="+mj-ea"/>
+                <a:cs typeface="+mj-cs"/>
+              </a:defRPr>
+            </a:lvl1pPr>
+          </a:lstStyle>
+          <a:p>
+            <a:pPr algn="ctr"/>
+            <a:r>
+              <a:rPr lang="pt-BR" sz="6600" b="1" dirty="0">
+                <a:solidFill>
+                  <a:srgbClr val="F46524"/>
+                </a:solidFill>
+                <a:latin typeface="Arial" panose="020B0604020202020204" pitchFamily="34" charset="0"/>
+                <a:cs typeface="Arial" panose="020B0604020202020204" pitchFamily="34" charset="0"/>
+              </a:rPr>
+              <a:t>Editor online</a:t>
+            </a:r>
+            <a:endParaRPr lang="pt-BR" sz="7200" b="1" dirty="0">
+              <a:solidFill>
+                <a:srgbClr val="F46524"/>
+              </a:solidFill>
+              <a:latin typeface="Arial" panose="020B0604020202020204" pitchFamily="34" charset="0"/>
+              <a:cs typeface="Arial" panose="020B0604020202020204" pitchFamily="34" charset="0"/>
+            </a:endParaRPr>
+          </a:p>
+        </p:txBody>
+      </p:sp>
+      <p:pic>
+        <p:nvPicPr>
+          <p:cNvPr id="7" name="Imagem 6">
+            <a:extLst>
+              <a:ext uri="{FF2B5EF4-FFF2-40B4-BE49-F238E27FC236}">
+                <a16:creationId xmlns:a16="http://schemas.microsoft.com/office/drawing/2014/main" id="{4E6DF7A4-AA0F-4323-8CC2-D016FEA6DF7B}"/>
+              </a:ext>
+            </a:extLst>
+          </p:cNvPr>
+          <p:cNvPicPr>
+            <a:picLocks noChangeAspect="1"/>
+          </p:cNvPicPr>
+          <p:nvPr/>
+        </p:nvPicPr>
+        <p:blipFill>
+          <a:blip r:embed="rId2"/>
+          <a:stretch>
+            <a:fillRect/>
+          </a:stretch>
+        </p:blipFill>
+        <p:spPr>
+          <a:xfrm>
+            <a:off x="10258887" y="122968"/>
+            <a:ext cx="1447800" cy="790575"/>
+          </a:xfrm>
+          <a:prstGeom prst="rect">
+            <a:avLst/>
+          </a:prstGeom>
+        </p:spPr>
+      </p:pic>
+      <p:pic>
+        <p:nvPicPr>
+          <p:cNvPr id="8" name="Imagem 7">
+            <a:extLst>
+              <a:ext uri="{FF2B5EF4-FFF2-40B4-BE49-F238E27FC236}">
+                <a16:creationId xmlns:a16="http://schemas.microsoft.com/office/drawing/2014/main" id="{4A328260-2ADB-4693-9112-53AB287FD66C}"/>
+              </a:ext>
+            </a:extLst>
+          </p:cNvPr>
+          <p:cNvPicPr>
+            <a:picLocks noChangeAspect="1"/>
+          </p:cNvPicPr>
+          <p:nvPr/>
+        </p:nvPicPr>
+        <p:blipFill>
+          <a:blip r:embed="rId3"/>
+          <a:stretch>
+            <a:fillRect/>
+          </a:stretch>
+        </p:blipFill>
+        <p:spPr>
+          <a:xfrm>
+            <a:off x="0" y="0"/>
+            <a:ext cx="1419225" cy="1495425"/>
+          </a:xfrm>
+          <a:prstGeom prst="rect">
+            <a:avLst/>
+          </a:prstGeom>
+        </p:spPr>
+      </p:pic>
+    </p:spTree>
+    <p:extLst>
+      <p:ext uri="{BB962C8B-B14F-4D97-AF65-F5344CB8AC3E}">
+        <p14:creationId xmlns:p14="http://schemas.microsoft.com/office/powerpoint/2010/main" val="416757081"/>
+      </p:ext>
+    </p:extLst>
+  </p:cSld>
+  <p:clrMapOvr>
+    <a:masterClrMapping/>
+  </p:clrMapOvr>
+</p:sld>
+</file>
+
+<file path=ppt/slides/slide7.xml><?xml version="1.0" encoding="utf-8"?>
+<p:sld xmlns:a="http://schemas.openxmlformats.org/drawingml/2006/main" xmlns:r="http://schemas.openxmlformats.org/officeDocument/2006/relationships" xmlns:p="http://schemas.openxmlformats.org/presentationml/2006/main">
+  <p:cSld>
+    <p:spTree>
+      <p:nvGrpSpPr>
+        <p:cNvPr id="1" name=""/>
+        <p:cNvGrpSpPr/>
+        <p:nvPr/>
+      </p:nvGrpSpPr>
+      <p:grpSpPr>
+        <a:xfrm>
+          <a:off x="0" y="0"/>
+          <a:ext cx="0" cy="0"/>
+          <a:chOff x="0" y="0"/>
+          <a:chExt cx="0" cy="0"/>
+        </a:xfrm>
+      </p:grpSpPr>
+      <p:sp>
+        <p:nvSpPr>
+          <p:cNvPr id="3" name="Espaço Reservado para Conteúdo 2">
+            <a:extLst>
+              <a:ext uri="{FF2B5EF4-FFF2-40B4-BE49-F238E27FC236}">
+                <a16:creationId xmlns:a16="http://schemas.microsoft.com/office/drawing/2014/main" id="{1C54187F-8492-4796-96CD-9E4382E87C6F}"/>
+              </a:ext>
+            </a:extLst>
+          </p:cNvPr>
+          <p:cNvSpPr>
+            <a:spLocks noGrp="1"/>
+          </p:cNvSpPr>
+          <p:nvPr>
+            <p:ph idx="1"/>
+          </p:nvPr>
+        </p:nvSpPr>
+        <p:spPr/>
+        <p:txBody>
+          <a:bodyPr>
+            <a:normAutofit/>
+          </a:bodyPr>
+          <a:lstStyle/>
+          <a:p>
+            <a:pPr>
+              <a:buFont typeface="Wingdings" panose="05000000000000000000" pitchFamily="2" charset="2"/>
+              <a:buChar char="Ø"/>
+            </a:pPr>
+            <a:r>
+              <a:rPr lang="pt-BR" dirty="0">
+                <a:latin typeface="Arial" panose="020B0604020202020204" pitchFamily="34" charset="0"/>
+                <a:cs typeface="Arial" panose="020B0604020202020204" pitchFamily="34" charset="0"/>
+              </a:rPr>
+              <a:t>A </a:t>
+            </a:r>
+            <a:r>
+              <a:rPr lang="pt-BR" dirty="0" err="1">
+                <a:latin typeface="Arial" panose="020B0604020202020204" pitchFamily="34" charset="0"/>
+                <a:cs typeface="Arial" panose="020B0604020202020204" pitchFamily="34" charset="0"/>
+              </a:rPr>
+              <a:t>Context</a:t>
+            </a:r>
+            <a:r>
+              <a:rPr lang="pt-BR" dirty="0">
+                <a:latin typeface="Arial" panose="020B0604020202020204" pitchFamily="34" charset="0"/>
+                <a:cs typeface="Arial" panose="020B0604020202020204" pitchFamily="34" charset="0"/>
+              </a:rPr>
+              <a:t> API, fornece uma maneira de passar os dados de componentes sem ter que passar manualmente em todos os níveis.</a:t>
+            </a:r>
+          </a:p>
+        </p:txBody>
+      </p:sp>
+      <p:sp>
+        <p:nvSpPr>
+          <p:cNvPr id="6" name="Título 1">
+            <a:extLst>
+              <a:ext uri="{FF2B5EF4-FFF2-40B4-BE49-F238E27FC236}">
+                <a16:creationId xmlns:a16="http://schemas.microsoft.com/office/drawing/2014/main" id="{62E1AAE0-A067-4119-BE22-1FE8351FD147}"/>
+              </a:ext>
+            </a:extLst>
+          </p:cNvPr>
+          <p:cNvSpPr txBox="1">
+            <a:spLocks/>
+          </p:cNvSpPr>
+          <p:nvPr/>
+        </p:nvSpPr>
+        <p:spPr>
+          <a:xfrm>
+            <a:off x="0" y="122968"/>
+            <a:ext cx="12192000" cy="854430"/>
+          </a:xfrm>
+          <a:prstGeom prst="rect">
+            <a:avLst/>
+          </a:prstGeom>
+        </p:spPr>
+        <p:txBody>
+          <a:bodyPr vert="horz" lIns="91440" tIns="45720" rIns="91440" bIns="45720" rtlCol="0" anchor="ctr">
+            <a:noAutofit/>
+          </a:bodyPr>
+          <a:lstStyle>
+            <a:lvl1pPr algn="l" defTabSz="914400" rtl="0" eaLnBrk="1" latinLnBrk="0" hangingPunct="1">
+              <a:lnSpc>
+                <a:spcPct val="90000"/>
+              </a:lnSpc>
+              <a:spcBef>
+                <a:spcPct val="0"/>
+              </a:spcBef>
+              <a:buNone/>
+              <a:defRPr sz="4400" kern="1200">
+                <a:solidFill>
+                  <a:schemeClr val="tx1"/>
+                </a:solidFill>
+                <a:latin typeface="+mj-lt"/>
+                <a:ea typeface="+mj-ea"/>
+                <a:cs typeface="+mj-cs"/>
+              </a:defRPr>
+            </a:lvl1pPr>
+          </a:lstStyle>
+          <a:p>
+            <a:pPr algn="ctr"/>
+            <a:r>
+              <a:rPr lang="pt-BR" sz="6600" b="1" dirty="0" err="1">
+                <a:solidFill>
+                  <a:srgbClr val="F46524"/>
+                </a:solidFill>
+                <a:latin typeface="Arial" panose="020B0604020202020204" pitchFamily="34" charset="0"/>
+                <a:cs typeface="Arial" panose="020B0604020202020204" pitchFamily="34" charset="0"/>
+              </a:rPr>
+              <a:t>Context</a:t>
+            </a:r>
+            <a:r>
+              <a:rPr lang="pt-BR" sz="6600" b="1" dirty="0">
+                <a:solidFill>
+                  <a:srgbClr val="F46524"/>
+                </a:solidFill>
+                <a:latin typeface="Arial" panose="020B0604020202020204" pitchFamily="34" charset="0"/>
+                <a:cs typeface="Arial" panose="020B0604020202020204" pitchFamily="34" charset="0"/>
+              </a:rPr>
+              <a:t> API</a:t>
+            </a:r>
+            <a:endParaRPr lang="pt-BR" sz="7200" b="1" dirty="0">
+              <a:solidFill>
+                <a:srgbClr val="F46524"/>
+              </a:solidFill>
+              <a:latin typeface="Arial" panose="020B0604020202020204" pitchFamily="34" charset="0"/>
+              <a:cs typeface="Arial" panose="020B0604020202020204" pitchFamily="34" charset="0"/>
+            </a:endParaRPr>
+          </a:p>
+        </p:txBody>
+      </p:sp>
+      <p:pic>
+        <p:nvPicPr>
+          <p:cNvPr id="7" name="Imagem 6">
+            <a:extLst>
+              <a:ext uri="{FF2B5EF4-FFF2-40B4-BE49-F238E27FC236}">
+                <a16:creationId xmlns:a16="http://schemas.microsoft.com/office/drawing/2014/main" id="{4E6DF7A4-AA0F-4323-8CC2-D016FEA6DF7B}"/>
+              </a:ext>
+            </a:extLst>
+          </p:cNvPr>
+          <p:cNvPicPr>
+            <a:picLocks noChangeAspect="1"/>
+          </p:cNvPicPr>
+          <p:nvPr/>
+        </p:nvPicPr>
+        <p:blipFill>
+          <a:blip r:embed="rId2"/>
+          <a:stretch>
+            <a:fillRect/>
+          </a:stretch>
+        </p:blipFill>
+        <p:spPr>
+          <a:xfrm>
+            <a:off x="10258887" y="122968"/>
+            <a:ext cx="1447800" cy="790575"/>
+          </a:xfrm>
+          <a:prstGeom prst="rect">
+            <a:avLst/>
+          </a:prstGeom>
+        </p:spPr>
+      </p:pic>
+      <p:pic>
+        <p:nvPicPr>
+          <p:cNvPr id="8" name="Imagem 7">
+            <a:extLst>
+              <a:ext uri="{FF2B5EF4-FFF2-40B4-BE49-F238E27FC236}">
+                <a16:creationId xmlns:a16="http://schemas.microsoft.com/office/drawing/2014/main" id="{4A328260-2ADB-4693-9112-53AB287FD66C}"/>
+              </a:ext>
+            </a:extLst>
+          </p:cNvPr>
+          <p:cNvPicPr>
+            <a:picLocks noChangeAspect="1"/>
+          </p:cNvPicPr>
+          <p:nvPr/>
+        </p:nvPicPr>
+        <p:blipFill>
+          <a:blip r:embed="rId3"/>
+          <a:stretch>
+            <a:fillRect/>
+          </a:stretch>
+        </p:blipFill>
+        <p:spPr>
+          <a:xfrm>
+            <a:off x="0" y="0"/>
+            <a:ext cx="1419225" cy="1495425"/>
+          </a:xfrm>
+          <a:prstGeom prst="rect">
+            <a:avLst/>
+          </a:prstGeom>
+        </p:spPr>
+      </p:pic>
+    </p:spTree>
+    <p:extLst>
+      <p:ext uri="{BB962C8B-B14F-4D97-AF65-F5344CB8AC3E}">
+        <p14:creationId xmlns:p14="http://schemas.microsoft.com/office/powerpoint/2010/main" val="822949077"/>
+      </p:ext>
+    </p:extLst>
+  </p:cSld>
+  <p:clrMapOvr>
+    <a:masterClrMapping/>
+  </p:clrMapOvr>
+</p:sld>
+</file>
+
+<file path=ppt/slides/slide8.xml><?xml version="1.0" encoding="utf-8"?>
+<p:sld xmlns:a="http://schemas.openxmlformats.org/drawingml/2006/main" xmlns:r="http://schemas.openxmlformats.org/officeDocument/2006/relationships" xmlns:p="http://schemas.openxmlformats.org/presentationml/2006/main">
+  <p:cSld>
+    <p:spTree>
+      <p:nvGrpSpPr>
+        <p:cNvPr id="1" name=""/>
+        <p:cNvGrpSpPr/>
+        <p:nvPr/>
+      </p:nvGrpSpPr>
+      <p:grpSpPr>
+        <a:xfrm>
+          <a:off x="0" y="0"/>
+          <a:ext cx="0" cy="0"/>
+          <a:chOff x="0" y="0"/>
+          <a:chExt cx="0" cy="0"/>
+        </a:xfrm>
+      </p:grpSpPr>
+      <p:pic>
+        <p:nvPicPr>
+          <p:cNvPr id="2" name="Espaço Reservado para Conteúdo 1">
+            <a:extLst>
+              <a:ext uri="{FF2B5EF4-FFF2-40B4-BE49-F238E27FC236}">
+                <a16:creationId xmlns:a16="http://schemas.microsoft.com/office/drawing/2014/main" id="{07F3DE8D-C3E5-421B-BAD2-F01619866953}"/>
+              </a:ext>
+            </a:extLst>
+          </p:cNvPr>
+          <p:cNvPicPr>
+            <a:picLocks noGrp="1" noChangeAspect="1"/>
+          </p:cNvPicPr>
+          <p:nvPr>
+            <p:ph idx="1"/>
+          </p:nvPr>
+        </p:nvPicPr>
+        <p:blipFill>
+          <a:blip r:embed="rId2"/>
+          <a:stretch>
+            <a:fillRect/>
+          </a:stretch>
+        </p:blipFill>
+        <p:spPr>
+          <a:xfrm>
+            <a:off x="2423447" y="1825625"/>
+            <a:ext cx="7345105" cy="4351338"/>
+          </a:xfrm>
+          <a:prstGeom prst="rect">
+            <a:avLst/>
+          </a:prstGeom>
+        </p:spPr>
+      </p:pic>
+      <p:sp>
+        <p:nvSpPr>
+          <p:cNvPr id="6" name="Título 1">
+            <a:extLst>
+              <a:ext uri="{FF2B5EF4-FFF2-40B4-BE49-F238E27FC236}">
+                <a16:creationId xmlns:a16="http://schemas.microsoft.com/office/drawing/2014/main" id="{62E1AAE0-A067-4119-BE22-1FE8351FD147}"/>
+              </a:ext>
+            </a:extLst>
+          </p:cNvPr>
+          <p:cNvSpPr txBox="1">
+            <a:spLocks/>
+          </p:cNvSpPr>
+          <p:nvPr/>
+        </p:nvSpPr>
+        <p:spPr>
+          <a:xfrm>
+            <a:off x="0" y="122968"/>
+            <a:ext cx="12192000" cy="854430"/>
+          </a:xfrm>
+          <a:prstGeom prst="rect">
+            <a:avLst/>
+          </a:prstGeom>
+        </p:spPr>
+        <p:txBody>
+          <a:bodyPr vert="horz" lIns="91440" tIns="45720" rIns="91440" bIns="45720" rtlCol="0" anchor="ctr">
+            <a:noAutofit/>
+          </a:bodyPr>
+          <a:lstStyle>
+            <a:lvl1pPr algn="l" defTabSz="914400" rtl="0" eaLnBrk="1" latinLnBrk="0" hangingPunct="1">
+              <a:lnSpc>
+                <a:spcPct val="90000"/>
+              </a:lnSpc>
+              <a:spcBef>
+                <a:spcPct val="0"/>
+              </a:spcBef>
+              <a:buNone/>
+              <a:defRPr sz="4400" kern="1200">
+                <a:solidFill>
+                  <a:schemeClr val="tx1"/>
+                </a:solidFill>
+                <a:latin typeface="+mj-lt"/>
+                <a:ea typeface="+mj-ea"/>
+                <a:cs typeface="+mj-cs"/>
+              </a:defRPr>
+            </a:lvl1pPr>
+          </a:lstStyle>
+          <a:p>
+            <a:pPr algn="ctr"/>
+            <a:r>
+              <a:rPr lang="pt-BR" sz="6600" b="1" dirty="0" err="1">
+                <a:solidFill>
+                  <a:srgbClr val="F46524"/>
+                </a:solidFill>
+                <a:latin typeface="Arial" panose="020B0604020202020204" pitchFamily="34" charset="0"/>
+                <a:cs typeface="Arial" panose="020B0604020202020204" pitchFamily="34" charset="0"/>
+              </a:rPr>
+              <a:t>Context</a:t>
+            </a:r>
+            <a:r>
+              <a:rPr lang="pt-BR" sz="6600" b="1" dirty="0">
+                <a:solidFill>
+                  <a:srgbClr val="F46524"/>
+                </a:solidFill>
+                <a:latin typeface="Arial" panose="020B0604020202020204" pitchFamily="34" charset="0"/>
+                <a:cs typeface="Arial" panose="020B0604020202020204" pitchFamily="34" charset="0"/>
+              </a:rPr>
+              <a:t> API</a:t>
+            </a:r>
+            <a:endParaRPr lang="pt-BR" sz="7200" b="1" dirty="0">
+              <a:solidFill>
+                <a:srgbClr val="F46524"/>
+              </a:solidFill>
+              <a:latin typeface="Arial" panose="020B0604020202020204" pitchFamily="34" charset="0"/>
+              <a:cs typeface="Arial" panose="020B0604020202020204" pitchFamily="34" charset="0"/>
+            </a:endParaRPr>
+          </a:p>
+        </p:txBody>
+      </p:sp>
+      <p:pic>
+        <p:nvPicPr>
+          <p:cNvPr id="7" name="Imagem 6">
+            <a:extLst>
+              <a:ext uri="{FF2B5EF4-FFF2-40B4-BE49-F238E27FC236}">
+                <a16:creationId xmlns:a16="http://schemas.microsoft.com/office/drawing/2014/main" id="{4E6DF7A4-AA0F-4323-8CC2-D016FEA6DF7B}"/>
+              </a:ext>
+            </a:extLst>
+          </p:cNvPr>
+          <p:cNvPicPr>
+            <a:picLocks noChangeAspect="1"/>
+          </p:cNvPicPr>
+          <p:nvPr/>
+        </p:nvPicPr>
+        <p:blipFill>
+          <a:blip r:embed="rId3"/>
+          <a:stretch>
+            <a:fillRect/>
+          </a:stretch>
+        </p:blipFill>
+        <p:spPr>
+          <a:xfrm>
+            <a:off x="10258887" y="122968"/>
+            <a:ext cx="1447800" cy="790575"/>
+          </a:xfrm>
+          <a:prstGeom prst="rect">
+            <a:avLst/>
+          </a:prstGeom>
+        </p:spPr>
+      </p:pic>
+      <p:pic>
+        <p:nvPicPr>
+          <p:cNvPr id="8" name="Imagem 7">
+            <a:extLst>
+              <a:ext uri="{FF2B5EF4-FFF2-40B4-BE49-F238E27FC236}">
+                <a16:creationId xmlns:a16="http://schemas.microsoft.com/office/drawing/2014/main" id="{4A328260-2ADB-4693-9112-53AB287FD66C}"/>
+              </a:ext>
+            </a:extLst>
+          </p:cNvPr>
+          <p:cNvPicPr>
+            <a:picLocks noChangeAspect="1"/>
+          </p:cNvPicPr>
+          <p:nvPr/>
+        </p:nvPicPr>
+        <p:blipFill>
+          <a:blip r:embed="rId4"/>
+          <a:stretch>
+            <a:fillRect/>
+          </a:stretch>
+        </p:blipFill>
+        <p:spPr>
+          <a:xfrm>
+            <a:off x="0" y="0"/>
+            <a:ext cx="1419225" cy="1495425"/>
+          </a:xfrm>
+          <a:prstGeom prst="rect">
+            <a:avLst/>
+          </a:prstGeom>
+        </p:spPr>
+      </p:pic>
+    </p:spTree>
+    <p:extLst>
+      <p:ext uri="{BB962C8B-B14F-4D97-AF65-F5344CB8AC3E}">
+        <p14:creationId xmlns:p14="http://schemas.microsoft.com/office/powerpoint/2010/main" val="2056983549"/>
+      </p:ext>
+    </p:extLst>
+  </p:cSld>
+  <p:clrMapOvr>
+    <a:masterClrMapping/>
+  </p:clrMapOvr>
+</p:sld>
+</file>
+
+<file path=ppt/slides/slide9.xml><?xml version="1.0" encoding="utf-8"?>
+<p:sld xmlns:a="http://schemas.openxmlformats.org/drawingml/2006/main" xmlns:r="http://schemas.openxmlformats.org/officeDocument/2006/relationships" xmlns:p="http://schemas.openxmlformats.org/presentationml/2006/main">
+  <p:cSld>
+    <p:spTree>
+      <p:nvGrpSpPr>
+        <p:cNvPr id="1" name=""/>
+        <p:cNvGrpSpPr/>
+        <p:nvPr/>
+      </p:nvGrpSpPr>
+      <p:grpSpPr>
+        <a:xfrm>
+          <a:off x="0" y="0"/>
+          <a:ext cx="0" cy="0"/>
+          <a:chOff x="0" y="0"/>
+          <a:chExt cx="0" cy="0"/>
+        </a:xfrm>
+      </p:grpSpPr>
+      <p:sp>
+        <p:nvSpPr>
+          <p:cNvPr id="3" name="Espaço Reservado para Conteúdo 2">
+            <a:extLst>
+              <a:ext uri="{FF2B5EF4-FFF2-40B4-BE49-F238E27FC236}">
+                <a16:creationId xmlns:a16="http://schemas.microsoft.com/office/drawing/2014/main" id="{1C54187F-8492-4796-96CD-9E4382E87C6F}"/>
+              </a:ext>
+            </a:extLst>
+          </p:cNvPr>
+          <p:cNvSpPr>
+            <a:spLocks noGrp="1"/>
+          </p:cNvSpPr>
+          <p:nvPr>
+            <p:ph idx="1"/>
+          </p:nvPr>
+        </p:nvSpPr>
+        <p:spPr/>
+        <p:txBody>
+          <a:bodyPr>
+            <a:normAutofit/>
+          </a:bodyPr>
+          <a:lstStyle/>
+          <a:p>
+            <a:pPr>
+              <a:buFont typeface="Wingdings" panose="05000000000000000000" pitchFamily="2" charset="2"/>
+              <a:buChar char="Ø"/>
+            </a:pPr>
+            <a:r>
+              <a:rPr lang="pt-BR" dirty="0">
+                <a:latin typeface="Arial" panose="020B0604020202020204" pitchFamily="34" charset="0"/>
+                <a:cs typeface="Arial" panose="020B0604020202020204" pitchFamily="34" charset="0"/>
+              </a:rPr>
+              <a:t>No uso básico do </a:t>
+            </a:r>
+            <a:r>
+              <a:rPr lang="pt-BR" dirty="0" err="1">
+                <a:latin typeface="Arial" panose="020B0604020202020204" pitchFamily="34" charset="0"/>
+                <a:cs typeface="Arial" panose="020B0604020202020204" pitchFamily="34" charset="0"/>
+              </a:rPr>
+              <a:t>React</a:t>
+            </a:r>
+            <a:r>
+              <a:rPr lang="pt-BR" dirty="0">
+                <a:latin typeface="Arial" panose="020B0604020202020204" pitchFamily="34" charset="0"/>
+                <a:cs typeface="Arial" panose="020B0604020202020204" pitchFamily="34" charset="0"/>
+              </a:rPr>
+              <a:t>, quando precisamos que um componente filho tenha ou manipule os dados do pai, precisamos informar esses dados e funções nas </a:t>
+            </a:r>
+            <a:r>
+              <a:rPr lang="pt-BR" dirty="0" err="1">
+                <a:latin typeface="Arial" panose="020B0604020202020204" pitchFamily="34" charset="0"/>
+                <a:cs typeface="Arial" panose="020B0604020202020204" pitchFamily="34" charset="0"/>
+              </a:rPr>
+              <a:t>props</a:t>
+            </a:r>
+            <a:r>
+              <a:rPr lang="pt-BR" dirty="0">
+                <a:latin typeface="Arial" panose="020B0604020202020204" pitchFamily="34" charset="0"/>
+                <a:cs typeface="Arial" panose="020B0604020202020204" pitchFamily="34" charset="0"/>
+              </a:rPr>
+              <a:t> do componente filhos. O que é bem simples na realidade, seria algo como:</a:t>
+            </a:r>
+          </a:p>
+        </p:txBody>
+      </p:sp>
+      <p:sp>
+        <p:nvSpPr>
+          <p:cNvPr id="6" name="Título 1">
+            <a:extLst>
+              <a:ext uri="{FF2B5EF4-FFF2-40B4-BE49-F238E27FC236}">
+                <a16:creationId xmlns:a16="http://schemas.microsoft.com/office/drawing/2014/main" id="{62E1AAE0-A067-4119-BE22-1FE8351FD147}"/>
+              </a:ext>
+            </a:extLst>
+          </p:cNvPr>
+          <p:cNvSpPr txBox="1">
+            <a:spLocks/>
+          </p:cNvSpPr>
+          <p:nvPr/>
+        </p:nvSpPr>
+        <p:spPr>
+          <a:xfrm>
+            <a:off x="0" y="122968"/>
+            <a:ext cx="12192000" cy="854430"/>
+          </a:xfrm>
+          <a:prstGeom prst="rect">
+            <a:avLst/>
+          </a:prstGeom>
+        </p:spPr>
+        <p:txBody>
+          <a:bodyPr vert="horz" lIns="91440" tIns="45720" rIns="91440" bIns="45720" rtlCol="0" anchor="ctr">
+            <a:noAutofit/>
+          </a:bodyPr>
+          <a:lstStyle>
+            <a:lvl1pPr algn="l" defTabSz="914400" rtl="0" eaLnBrk="1" latinLnBrk="0" hangingPunct="1">
+              <a:lnSpc>
+                <a:spcPct val="90000"/>
+              </a:lnSpc>
+              <a:spcBef>
+                <a:spcPct val="0"/>
+              </a:spcBef>
+              <a:buNone/>
+              <a:defRPr sz="4400" kern="1200">
+                <a:solidFill>
+                  <a:schemeClr val="tx1"/>
+                </a:solidFill>
+                <a:latin typeface="+mj-lt"/>
+                <a:ea typeface="+mj-ea"/>
+                <a:cs typeface="+mj-cs"/>
+              </a:defRPr>
+            </a:lvl1pPr>
+          </a:lstStyle>
+          <a:p>
+            <a:pPr algn="ctr"/>
+            <a:r>
+              <a:rPr lang="pt-BR" sz="6600" b="1" dirty="0" err="1">
+                <a:solidFill>
+                  <a:srgbClr val="F46524"/>
+                </a:solidFill>
+                <a:latin typeface="Arial" panose="020B0604020202020204" pitchFamily="34" charset="0"/>
+                <a:cs typeface="Arial" panose="020B0604020202020204" pitchFamily="34" charset="0"/>
+              </a:rPr>
+              <a:t>Context</a:t>
+            </a:r>
+            <a:r>
+              <a:rPr lang="pt-BR" sz="6600" b="1" dirty="0">
+                <a:solidFill>
+                  <a:srgbClr val="F46524"/>
+                </a:solidFill>
+                <a:latin typeface="Arial" panose="020B0604020202020204" pitchFamily="34" charset="0"/>
+                <a:cs typeface="Arial" panose="020B0604020202020204" pitchFamily="34" charset="0"/>
+              </a:rPr>
+              <a:t> API</a:t>
+            </a:r>
+            <a:endParaRPr lang="pt-BR" sz="7200" b="1" dirty="0">
+              <a:solidFill>
+                <a:srgbClr val="F46524"/>
+              </a:solidFill>
+              <a:latin typeface="Arial" panose="020B0604020202020204" pitchFamily="34" charset="0"/>
+              <a:cs typeface="Arial" panose="020B0604020202020204" pitchFamily="34" charset="0"/>
+            </a:endParaRPr>
+          </a:p>
+        </p:txBody>
+      </p:sp>
+      <p:pic>
+        <p:nvPicPr>
+          <p:cNvPr id="7" name="Imagem 6">
+            <a:extLst>
+              <a:ext uri="{FF2B5EF4-FFF2-40B4-BE49-F238E27FC236}">
+                <a16:creationId xmlns:a16="http://schemas.microsoft.com/office/drawing/2014/main" id="{4E6DF7A4-AA0F-4323-8CC2-D016FEA6DF7B}"/>
+              </a:ext>
+            </a:extLst>
+          </p:cNvPr>
+          <p:cNvPicPr>
+            <a:picLocks noChangeAspect="1"/>
+          </p:cNvPicPr>
+          <p:nvPr/>
+        </p:nvPicPr>
+        <p:blipFill>
+          <a:blip r:embed="rId2"/>
+          <a:stretch>
+            <a:fillRect/>
+          </a:stretch>
+        </p:blipFill>
+        <p:spPr>
+          <a:xfrm>
+            <a:off x="10258887" y="122968"/>
+            <a:ext cx="1447800" cy="790575"/>
+          </a:xfrm>
+          <a:prstGeom prst="rect">
+            <a:avLst/>
+          </a:prstGeom>
+        </p:spPr>
+      </p:pic>
+      <p:pic>
+        <p:nvPicPr>
+          <p:cNvPr id="8" name="Imagem 7">
+            <a:extLst>
+              <a:ext uri="{FF2B5EF4-FFF2-40B4-BE49-F238E27FC236}">
+                <a16:creationId xmlns:a16="http://schemas.microsoft.com/office/drawing/2014/main" id="{4A328260-2ADB-4693-9112-53AB287FD66C}"/>
+              </a:ext>
+            </a:extLst>
+          </p:cNvPr>
+          <p:cNvPicPr>
+            <a:picLocks noChangeAspect="1"/>
+          </p:cNvPicPr>
+          <p:nvPr/>
+        </p:nvPicPr>
+        <p:blipFill>
+          <a:blip r:embed="rId3"/>
+          <a:stretch>
+            <a:fillRect/>
+          </a:stretch>
+        </p:blipFill>
+        <p:spPr>
+          <a:xfrm>
+            <a:off x="0" y="0"/>
+            <a:ext cx="1419225" cy="1495425"/>
+          </a:xfrm>
+          <a:prstGeom prst="rect">
+            <a:avLst/>
+          </a:prstGeom>
+        </p:spPr>
+      </p:pic>
+    </p:spTree>
+    <p:extLst>
+      <p:ext uri="{BB962C8B-B14F-4D97-AF65-F5344CB8AC3E}">
+        <p14:creationId xmlns:p14="http://schemas.microsoft.com/office/powerpoint/2010/main" val="3125660114"/>
+      </p:ext>
+    </p:extLst>
+  </p:cSld>
+  <p:clrMapOvr>
+    <a:masterClrMapping/>
+  </p:clrMapOvr>
+</p:sld>
+</file>
+
 <file path=ppt/theme/theme1.xml><?xml version="1.0" encoding="utf-8"?>
 <a:theme xmlns:a="http://schemas.openxmlformats.org/drawingml/2006/main" name="Tema do Office">
   <a:themeElements>

--- a/material/ReactAula2.pptx
+++ b/material/ReactAula2.pptx
@@ -11,11 +11,6 @@
     <p:sldId id="266" r:id="rId5"/>
     <p:sldId id="267" r:id="rId6"/>
     <p:sldId id="268" r:id="rId7"/>
-    <p:sldId id="270" r:id="rId8"/>
-    <p:sldId id="271" r:id="rId9"/>
-    <p:sldId id="272" r:id="rId10"/>
-    <p:sldId id="273" r:id="rId11"/>
-    <p:sldId id="269" r:id="rId12"/>
   </p:sldIdLst>
   <p:sldSz cx="12192000" cy="6858000"/>
   <p:notesSz cx="6858000" cy="9144000"/>
@@ -3578,394 +3573,6 @@
     <p:extLst>
       <p:ext uri="{BB962C8B-B14F-4D97-AF65-F5344CB8AC3E}">
         <p14:creationId xmlns:p14="http://schemas.microsoft.com/office/powerpoint/2010/main" val="374537655"/>
-      </p:ext>
-    </p:extLst>
-  </p:cSld>
-  <p:clrMapOvr>
-    <a:masterClrMapping/>
-  </p:clrMapOvr>
-</p:sld>
-</file>
-
-<file path=ppt/slides/slide10.xml><?xml version="1.0" encoding="utf-8"?>
-<p:sld xmlns:a="http://schemas.openxmlformats.org/drawingml/2006/main" xmlns:r="http://schemas.openxmlformats.org/officeDocument/2006/relationships" xmlns:p="http://schemas.openxmlformats.org/presentationml/2006/main">
-  <p:cSld>
-    <p:spTree>
-      <p:nvGrpSpPr>
-        <p:cNvPr id="1" name=""/>
-        <p:cNvGrpSpPr/>
-        <p:nvPr/>
-      </p:nvGrpSpPr>
-      <p:grpSpPr>
-        <a:xfrm>
-          <a:off x="0" y="0"/>
-          <a:ext cx="0" cy="0"/>
-          <a:chOff x="0" y="0"/>
-          <a:chExt cx="0" cy="0"/>
-        </a:xfrm>
-      </p:grpSpPr>
-      <p:sp>
-        <p:nvSpPr>
-          <p:cNvPr id="6" name="Título 1">
-            <a:extLst>
-              <a:ext uri="{FF2B5EF4-FFF2-40B4-BE49-F238E27FC236}">
-                <a16:creationId xmlns:a16="http://schemas.microsoft.com/office/drawing/2014/main" id="{62E1AAE0-A067-4119-BE22-1FE8351FD147}"/>
-              </a:ext>
-            </a:extLst>
-          </p:cNvPr>
-          <p:cNvSpPr txBox="1">
-            <a:spLocks/>
-          </p:cNvSpPr>
-          <p:nvPr/>
-        </p:nvSpPr>
-        <p:spPr>
-          <a:xfrm>
-            <a:off x="0" y="122968"/>
-            <a:ext cx="12192000" cy="854430"/>
-          </a:xfrm>
-          <a:prstGeom prst="rect">
-            <a:avLst/>
-          </a:prstGeom>
-        </p:spPr>
-        <p:txBody>
-          <a:bodyPr vert="horz" lIns="91440" tIns="45720" rIns="91440" bIns="45720" rtlCol="0" anchor="ctr">
-            <a:noAutofit/>
-          </a:bodyPr>
-          <a:lstStyle>
-            <a:lvl1pPr algn="l" defTabSz="914400" rtl="0" eaLnBrk="1" latinLnBrk="0" hangingPunct="1">
-              <a:lnSpc>
-                <a:spcPct val="90000"/>
-              </a:lnSpc>
-              <a:spcBef>
-                <a:spcPct val="0"/>
-              </a:spcBef>
-              <a:buNone/>
-              <a:defRPr sz="4400" kern="1200">
-                <a:solidFill>
-                  <a:schemeClr val="tx1"/>
-                </a:solidFill>
-                <a:latin typeface="+mj-lt"/>
-                <a:ea typeface="+mj-ea"/>
-                <a:cs typeface="+mj-cs"/>
-              </a:defRPr>
-            </a:lvl1pPr>
-          </a:lstStyle>
-          <a:p>
-            <a:pPr algn="ctr"/>
-            <a:r>
-              <a:rPr lang="pt-BR" sz="6600" b="1" dirty="0" err="1">
-                <a:solidFill>
-                  <a:srgbClr val="F46524"/>
-                </a:solidFill>
-                <a:latin typeface="Arial" panose="020B0604020202020204" pitchFamily="34" charset="0"/>
-                <a:cs typeface="Arial" panose="020B0604020202020204" pitchFamily="34" charset="0"/>
-              </a:rPr>
-              <a:t>Context</a:t>
-            </a:r>
-            <a:r>
-              <a:rPr lang="pt-BR" sz="6600" b="1" dirty="0">
-                <a:solidFill>
-                  <a:srgbClr val="F46524"/>
-                </a:solidFill>
-                <a:latin typeface="Arial" panose="020B0604020202020204" pitchFamily="34" charset="0"/>
-                <a:cs typeface="Arial" panose="020B0604020202020204" pitchFamily="34" charset="0"/>
-              </a:rPr>
-              <a:t> API</a:t>
-            </a:r>
-            <a:endParaRPr lang="pt-BR" sz="7200" b="1" dirty="0">
-              <a:solidFill>
-                <a:srgbClr val="F46524"/>
-              </a:solidFill>
-              <a:latin typeface="Arial" panose="020B0604020202020204" pitchFamily="34" charset="0"/>
-              <a:cs typeface="Arial" panose="020B0604020202020204" pitchFamily="34" charset="0"/>
-            </a:endParaRPr>
-          </a:p>
-        </p:txBody>
-      </p:sp>
-      <p:pic>
-        <p:nvPicPr>
-          <p:cNvPr id="7" name="Imagem 6">
-            <a:extLst>
-              <a:ext uri="{FF2B5EF4-FFF2-40B4-BE49-F238E27FC236}">
-                <a16:creationId xmlns:a16="http://schemas.microsoft.com/office/drawing/2014/main" id="{4E6DF7A4-AA0F-4323-8CC2-D016FEA6DF7B}"/>
-              </a:ext>
-            </a:extLst>
-          </p:cNvPr>
-          <p:cNvPicPr>
-            <a:picLocks noChangeAspect="1"/>
-          </p:cNvPicPr>
-          <p:nvPr/>
-        </p:nvPicPr>
-        <p:blipFill>
-          <a:blip r:embed="rId2"/>
-          <a:stretch>
-            <a:fillRect/>
-          </a:stretch>
-        </p:blipFill>
-        <p:spPr>
-          <a:xfrm>
-            <a:off x="10258887" y="122968"/>
-            <a:ext cx="1447800" cy="790575"/>
-          </a:xfrm>
-          <a:prstGeom prst="rect">
-            <a:avLst/>
-          </a:prstGeom>
-        </p:spPr>
-      </p:pic>
-      <p:pic>
-        <p:nvPicPr>
-          <p:cNvPr id="8" name="Imagem 7">
-            <a:extLst>
-              <a:ext uri="{FF2B5EF4-FFF2-40B4-BE49-F238E27FC236}">
-                <a16:creationId xmlns:a16="http://schemas.microsoft.com/office/drawing/2014/main" id="{4A328260-2ADB-4693-9112-53AB287FD66C}"/>
-              </a:ext>
-            </a:extLst>
-          </p:cNvPr>
-          <p:cNvPicPr>
-            <a:picLocks noChangeAspect="1"/>
-          </p:cNvPicPr>
-          <p:nvPr/>
-        </p:nvPicPr>
-        <p:blipFill>
-          <a:blip r:embed="rId3"/>
-          <a:stretch>
-            <a:fillRect/>
-          </a:stretch>
-        </p:blipFill>
-        <p:spPr>
-          <a:xfrm>
-            <a:off x="0" y="0"/>
-            <a:ext cx="1419225" cy="1495425"/>
-          </a:xfrm>
-          <a:prstGeom prst="rect">
-            <a:avLst/>
-          </a:prstGeom>
-        </p:spPr>
-      </p:pic>
-      <p:pic>
-        <p:nvPicPr>
-          <p:cNvPr id="5" name="Espaço Reservado para Conteúdo 4">
-            <a:extLst>
-              <a:ext uri="{FF2B5EF4-FFF2-40B4-BE49-F238E27FC236}">
-                <a16:creationId xmlns:a16="http://schemas.microsoft.com/office/drawing/2014/main" id="{AA2F177A-97BD-46C8-B2A3-9D0D49C2A382}"/>
-              </a:ext>
-            </a:extLst>
-          </p:cNvPr>
-          <p:cNvPicPr>
-            <a:picLocks noGrp="1" noChangeAspect="1"/>
-          </p:cNvPicPr>
-          <p:nvPr>
-            <p:ph idx="1"/>
-          </p:nvPr>
-        </p:nvPicPr>
-        <p:blipFill>
-          <a:blip r:embed="rId4"/>
-          <a:stretch>
-            <a:fillRect/>
-          </a:stretch>
-        </p:blipFill>
-        <p:spPr>
-          <a:xfrm>
-            <a:off x="3252787" y="1986756"/>
-            <a:ext cx="5686425" cy="4029075"/>
-          </a:xfrm>
-          <a:prstGeom prst="rect">
-            <a:avLst/>
-          </a:prstGeom>
-        </p:spPr>
-      </p:pic>
-    </p:spTree>
-    <p:extLst>
-      <p:ext uri="{BB962C8B-B14F-4D97-AF65-F5344CB8AC3E}">
-        <p14:creationId xmlns:p14="http://schemas.microsoft.com/office/powerpoint/2010/main" val="1191404386"/>
-      </p:ext>
-    </p:extLst>
-  </p:cSld>
-  <p:clrMapOvr>
-    <a:masterClrMapping/>
-  </p:clrMapOvr>
-</p:sld>
-</file>
-
-<file path=ppt/slides/slide11.xml><?xml version="1.0" encoding="utf-8"?>
-<p:sld xmlns:a="http://schemas.openxmlformats.org/drawingml/2006/main" xmlns:r="http://schemas.openxmlformats.org/officeDocument/2006/relationships" xmlns:p="http://schemas.openxmlformats.org/presentationml/2006/main">
-  <p:cSld>
-    <p:spTree>
-      <p:nvGrpSpPr>
-        <p:cNvPr id="1" name=""/>
-        <p:cNvGrpSpPr/>
-        <p:nvPr/>
-      </p:nvGrpSpPr>
-      <p:grpSpPr>
-        <a:xfrm>
-          <a:off x="0" y="0"/>
-          <a:ext cx="0" cy="0"/>
-          <a:chOff x="0" y="0"/>
-          <a:chExt cx="0" cy="0"/>
-        </a:xfrm>
-      </p:grpSpPr>
-      <p:sp>
-        <p:nvSpPr>
-          <p:cNvPr id="3" name="Espaço Reservado para Conteúdo 2">
-            <a:extLst>
-              <a:ext uri="{FF2B5EF4-FFF2-40B4-BE49-F238E27FC236}">
-                <a16:creationId xmlns:a16="http://schemas.microsoft.com/office/drawing/2014/main" id="{1C54187F-8492-4796-96CD-9E4382E87C6F}"/>
-              </a:ext>
-            </a:extLst>
-          </p:cNvPr>
-          <p:cNvSpPr>
-            <a:spLocks noGrp="1"/>
-          </p:cNvSpPr>
-          <p:nvPr>
-            <p:ph idx="1"/>
-          </p:nvPr>
-        </p:nvSpPr>
-        <p:spPr/>
-        <p:txBody>
-          <a:bodyPr>
-            <a:normAutofit/>
-          </a:bodyPr>
-          <a:lstStyle/>
-          <a:p>
-            <a:pPr>
-              <a:buFont typeface="Wingdings" panose="05000000000000000000" pitchFamily="2" charset="2"/>
-              <a:buChar char="Ø"/>
-            </a:pPr>
-            <a:r>
-              <a:rPr lang="pt-BR" dirty="0">
-                <a:latin typeface="Arial" panose="020B0604020202020204" pitchFamily="34" charset="0"/>
-                <a:cs typeface="Arial" panose="020B0604020202020204" pitchFamily="34" charset="0"/>
-              </a:rPr>
-              <a:t>https://medium.com/reactbrasil/entendendo-a-context-api-do-react-criando-um-componente-de-loading-a84f84007dc7</a:t>
-            </a:r>
-          </a:p>
-        </p:txBody>
-      </p:sp>
-      <p:sp>
-        <p:nvSpPr>
-          <p:cNvPr id="6" name="Título 1">
-            <a:extLst>
-              <a:ext uri="{FF2B5EF4-FFF2-40B4-BE49-F238E27FC236}">
-                <a16:creationId xmlns:a16="http://schemas.microsoft.com/office/drawing/2014/main" id="{62E1AAE0-A067-4119-BE22-1FE8351FD147}"/>
-              </a:ext>
-            </a:extLst>
-          </p:cNvPr>
-          <p:cNvSpPr txBox="1">
-            <a:spLocks/>
-          </p:cNvSpPr>
-          <p:nvPr/>
-        </p:nvSpPr>
-        <p:spPr>
-          <a:xfrm>
-            <a:off x="0" y="122968"/>
-            <a:ext cx="12192000" cy="854430"/>
-          </a:xfrm>
-          <a:prstGeom prst="rect">
-            <a:avLst/>
-          </a:prstGeom>
-        </p:spPr>
-        <p:txBody>
-          <a:bodyPr vert="horz" lIns="91440" tIns="45720" rIns="91440" bIns="45720" rtlCol="0" anchor="ctr">
-            <a:noAutofit/>
-          </a:bodyPr>
-          <a:lstStyle>
-            <a:lvl1pPr algn="l" defTabSz="914400" rtl="0" eaLnBrk="1" latinLnBrk="0" hangingPunct="1">
-              <a:lnSpc>
-                <a:spcPct val="90000"/>
-              </a:lnSpc>
-              <a:spcBef>
-                <a:spcPct val="0"/>
-              </a:spcBef>
-              <a:buNone/>
-              <a:defRPr sz="4400" kern="1200">
-                <a:solidFill>
-                  <a:schemeClr val="tx1"/>
-                </a:solidFill>
-                <a:latin typeface="+mj-lt"/>
-                <a:ea typeface="+mj-ea"/>
-                <a:cs typeface="+mj-cs"/>
-              </a:defRPr>
-            </a:lvl1pPr>
-          </a:lstStyle>
-          <a:p>
-            <a:pPr algn="ctr"/>
-            <a:r>
-              <a:rPr lang="pt-BR" sz="7200" b="1" dirty="0">
-                <a:solidFill>
-                  <a:srgbClr val="F46524"/>
-                </a:solidFill>
-                <a:latin typeface="Arial" panose="020B0604020202020204" pitchFamily="34" charset="0"/>
-                <a:cs typeface="Arial" panose="020B0604020202020204" pitchFamily="34" charset="0"/>
-              </a:rPr>
-              <a:t>Referências</a:t>
-            </a:r>
-          </a:p>
-        </p:txBody>
-      </p:sp>
-      <p:pic>
-        <p:nvPicPr>
-          <p:cNvPr id="7" name="Imagem 6">
-            <a:extLst>
-              <a:ext uri="{FF2B5EF4-FFF2-40B4-BE49-F238E27FC236}">
-                <a16:creationId xmlns:a16="http://schemas.microsoft.com/office/drawing/2014/main" id="{4E6DF7A4-AA0F-4323-8CC2-D016FEA6DF7B}"/>
-              </a:ext>
-            </a:extLst>
-          </p:cNvPr>
-          <p:cNvPicPr>
-            <a:picLocks noChangeAspect="1"/>
-          </p:cNvPicPr>
-          <p:nvPr/>
-        </p:nvPicPr>
-        <p:blipFill>
-          <a:blip r:embed="rId2"/>
-          <a:stretch>
-            <a:fillRect/>
-          </a:stretch>
-        </p:blipFill>
-        <p:spPr>
-          <a:xfrm>
-            <a:off x="10258887" y="122968"/>
-            <a:ext cx="1447800" cy="790575"/>
-          </a:xfrm>
-          <a:prstGeom prst="rect">
-            <a:avLst/>
-          </a:prstGeom>
-        </p:spPr>
-      </p:pic>
-      <p:pic>
-        <p:nvPicPr>
-          <p:cNvPr id="8" name="Imagem 7">
-            <a:extLst>
-              <a:ext uri="{FF2B5EF4-FFF2-40B4-BE49-F238E27FC236}">
-                <a16:creationId xmlns:a16="http://schemas.microsoft.com/office/drawing/2014/main" id="{4A328260-2ADB-4693-9112-53AB287FD66C}"/>
-              </a:ext>
-            </a:extLst>
-          </p:cNvPr>
-          <p:cNvPicPr>
-            <a:picLocks noChangeAspect="1"/>
-          </p:cNvPicPr>
-          <p:nvPr/>
-        </p:nvPicPr>
-        <p:blipFill>
-          <a:blip r:embed="rId3"/>
-          <a:stretch>
-            <a:fillRect/>
-          </a:stretch>
-        </p:blipFill>
-        <p:spPr>
-          <a:xfrm>
-            <a:off x="0" y="0"/>
-            <a:ext cx="1419225" cy="1495425"/>
-          </a:xfrm>
-          <a:prstGeom prst="rect">
-            <a:avLst/>
-          </a:prstGeom>
-        </p:spPr>
-      </p:pic>
-    </p:spTree>
-    <p:extLst>
-      <p:ext uri="{BB962C8B-B14F-4D97-AF65-F5344CB8AC3E}">
-        <p14:creationId xmlns:p14="http://schemas.microsoft.com/office/powerpoint/2010/main" val="2433983233"/>
       </p:ext>
     </p:extLst>
   </p:cSld>
@@ -6817,658 +6424,6 @@
 </p:sld>
 </file>
 
-<file path=ppt/slides/slide7.xml><?xml version="1.0" encoding="utf-8"?>
-<p:sld xmlns:a="http://schemas.openxmlformats.org/drawingml/2006/main" xmlns:r="http://schemas.openxmlformats.org/officeDocument/2006/relationships" xmlns:p="http://schemas.openxmlformats.org/presentationml/2006/main">
-  <p:cSld>
-    <p:spTree>
-      <p:nvGrpSpPr>
-        <p:cNvPr id="1" name=""/>
-        <p:cNvGrpSpPr/>
-        <p:nvPr/>
-      </p:nvGrpSpPr>
-      <p:grpSpPr>
-        <a:xfrm>
-          <a:off x="0" y="0"/>
-          <a:ext cx="0" cy="0"/>
-          <a:chOff x="0" y="0"/>
-          <a:chExt cx="0" cy="0"/>
-        </a:xfrm>
-      </p:grpSpPr>
-      <p:sp>
-        <p:nvSpPr>
-          <p:cNvPr id="3" name="Espaço Reservado para Conteúdo 2">
-            <a:extLst>
-              <a:ext uri="{FF2B5EF4-FFF2-40B4-BE49-F238E27FC236}">
-                <a16:creationId xmlns:a16="http://schemas.microsoft.com/office/drawing/2014/main" id="{1C54187F-8492-4796-96CD-9E4382E87C6F}"/>
-              </a:ext>
-            </a:extLst>
-          </p:cNvPr>
-          <p:cNvSpPr>
-            <a:spLocks noGrp="1"/>
-          </p:cNvSpPr>
-          <p:nvPr>
-            <p:ph idx="1"/>
-          </p:nvPr>
-        </p:nvSpPr>
-        <p:spPr/>
-        <p:txBody>
-          <a:bodyPr>
-            <a:normAutofit/>
-          </a:bodyPr>
-          <a:lstStyle/>
-          <a:p>
-            <a:pPr>
-              <a:buFont typeface="Wingdings" panose="05000000000000000000" pitchFamily="2" charset="2"/>
-              <a:buChar char="Ø"/>
-            </a:pPr>
-            <a:r>
-              <a:rPr lang="pt-BR" dirty="0">
-                <a:latin typeface="Arial" panose="020B0604020202020204" pitchFamily="34" charset="0"/>
-                <a:cs typeface="Arial" panose="020B0604020202020204" pitchFamily="34" charset="0"/>
-              </a:rPr>
-              <a:t>A </a:t>
-            </a:r>
-            <a:r>
-              <a:rPr lang="pt-BR" dirty="0" err="1">
-                <a:latin typeface="Arial" panose="020B0604020202020204" pitchFamily="34" charset="0"/>
-                <a:cs typeface="Arial" panose="020B0604020202020204" pitchFamily="34" charset="0"/>
-              </a:rPr>
-              <a:t>Context</a:t>
-            </a:r>
-            <a:r>
-              <a:rPr lang="pt-BR" dirty="0">
-                <a:latin typeface="Arial" panose="020B0604020202020204" pitchFamily="34" charset="0"/>
-                <a:cs typeface="Arial" panose="020B0604020202020204" pitchFamily="34" charset="0"/>
-              </a:rPr>
-              <a:t> API, fornece uma maneira de passar os dados de componentes sem ter que passar manualmente em todos os níveis.</a:t>
-            </a:r>
-          </a:p>
-        </p:txBody>
-      </p:sp>
-      <p:sp>
-        <p:nvSpPr>
-          <p:cNvPr id="6" name="Título 1">
-            <a:extLst>
-              <a:ext uri="{FF2B5EF4-FFF2-40B4-BE49-F238E27FC236}">
-                <a16:creationId xmlns:a16="http://schemas.microsoft.com/office/drawing/2014/main" id="{62E1AAE0-A067-4119-BE22-1FE8351FD147}"/>
-              </a:ext>
-            </a:extLst>
-          </p:cNvPr>
-          <p:cNvSpPr txBox="1">
-            <a:spLocks/>
-          </p:cNvSpPr>
-          <p:nvPr/>
-        </p:nvSpPr>
-        <p:spPr>
-          <a:xfrm>
-            <a:off x="0" y="122968"/>
-            <a:ext cx="12192000" cy="854430"/>
-          </a:xfrm>
-          <a:prstGeom prst="rect">
-            <a:avLst/>
-          </a:prstGeom>
-        </p:spPr>
-        <p:txBody>
-          <a:bodyPr vert="horz" lIns="91440" tIns="45720" rIns="91440" bIns="45720" rtlCol="0" anchor="ctr">
-            <a:noAutofit/>
-          </a:bodyPr>
-          <a:lstStyle>
-            <a:lvl1pPr algn="l" defTabSz="914400" rtl="0" eaLnBrk="1" latinLnBrk="0" hangingPunct="1">
-              <a:lnSpc>
-                <a:spcPct val="90000"/>
-              </a:lnSpc>
-              <a:spcBef>
-                <a:spcPct val="0"/>
-              </a:spcBef>
-              <a:buNone/>
-              <a:defRPr sz="4400" kern="1200">
-                <a:solidFill>
-                  <a:schemeClr val="tx1"/>
-                </a:solidFill>
-                <a:latin typeface="+mj-lt"/>
-                <a:ea typeface="+mj-ea"/>
-                <a:cs typeface="+mj-cs"/>
-              </a:defRPr>
-            </a:lvl1pPr>
-          </a:lstStyle>
-          <a:p>
-            <a:pPr algn="ctr"/>
-            <a:r>
-              <a:rPr lang="pt-BR" sz="6600" b="1" dirty="0" err="1">
-                <a:solidFill>
-                  <a:srgbClr val="F46524"/>
-                </a:solidFill>
-                <a:latin typeface="Arial" panose="020B0604020202020204" pitchFamily="34" charset="0"/>
-                <a:cs typeface="Arial" panose="020B0604020202020204" pitchFamily="34" charset="0"/>
-              </a:rPr>
-              <a:t>Context</a:t>
-            </a:r>
-            <a:r>
-              <a:rPr lang="pt-BR" sz="6600" b="1" dirty="0">
-                <a:solidFill>
-                  <a:srgbClr val="F46524"/>
-                </a:solidFill>
-                <a:latin typeface="Arial" panose="020B0604020202020204" pitchFamily="34" charset="0"/>
-                <a:cs typeface="Arial" panose="020B0604020202020204" pitchFamily="34" charset="0"/>
-              </a:rPr>
-              <a:t> API</a:t>
-            </a:r>
-            <a:endParaRPr lang="pt-BR" sz="7200" b="1" dirty="0">
-              <a:solidFill>
-                <a:srgbClr val="F46524"/>
-              </a:solidFill>
-              <a:latin typeface="Arial" panose="020B0604020202020204" pitchFamily="34" charset="0"/>
-              <a:cs typeface="Arial" panose="020B0604020202020204" pitchFamily="34" charset="0"/>
-            </a:endParaRPr>
-          </a:p>
-        </p:txBody>
-      </p:sp>
-      <p:pic>
-        <p:nvPicPr>
-          <p:cNvPr id="7" name="Imagem 6">
-            <a:extLst>
-              <a:ext uri="{FF2B5EF4-FFF2-40B4-BE49-F238E27FC236}">
-                <a16:creationId xmlns:a16="http://schemas.microsoft.com/office/drawing/2014/main" id="{4E6DF7A4-AA0F-4323-8CC2-D016FEA6DF7B}"/>
-              </a:ext>
-            </a:extLst>
-          </p:cNvPr>
-          <p:cNvPicPr>
-            <a:picLocks noChangeAspect="1"/>
-          </p:cNvPicPr>
-          <p:nvPr/>
-        </p:nvPicPr>
-        <p:blipFill>
-          <a:blip r:embed="rId2"/>
-          <a:stretch>
-            <a:fillRect/>
-          </a:stretch>
-        </p:blipFill>
-        <p:spPr>
-          <a:xfrm>
-            <a:off x="10258887" y="122968"/>
-            <a:ext cx="1447800" cy="790575"/>
-          </a:xfrm>
-          <a:prstGeom prst="rect">
-            <a:avLst/>
-          </a:prstGeom>
-        </p:spPr>
-      </p:pic>
-      <p:pic>
-        <p:nvPicPr>
-          <p:cNvPr id="8" name="Imagem 7">
-            <a:extLst>
-              <a:ext uri="{FF2B5EF4-FFF2-40B4-BE49-F238E27FC236}">
-                <a16:creationId xmlns:a16="http://schemas.microsoft.com/office/drawing/2014/main" id="{4A328260-2ADB-4693-9112-53AB287FD66C}"/>
-              </a:ext>
-            </a:extLst>
-          </p:cNvPr>
-          <p:cNvPicPr>
-            <a:picLocks noChangeAspect="1"/>
-          </p:cNvPicPr>
-          <p:nvPr/>
-        </p:nvPicPr>
-        <p:blipFill>
-          <a:blip r:embed="rId3"/>
-          <a:stretch>
-            <a:fillRect/>
-          </a:stretch>
-        </p:blipFill>
-        <p:spPr>
-          <a:xfrm>
-            <a:off x="0" y="0"/>
-            <a:ext cx="1419225" cy="1495425"/>
-          </a:xfrm>
-          <a:prstGeom prst="rect">
-            <a:avLst/>
-          </a:prstGeom>
-        </p:spPr>
-      </p:pic>
-    </p:spTree>
-    <p:extLst>
-      <p:ext uri="{BB962C8B-B14F-4D97-AF65-F5344CB8AC3E}">
-        <p14:creationId xmlns:p14="http://schemas.microsoft.com/office/powerpoint/2010/main" val="822949077"/>
-      </p:ext>
-    </p:extLst>
-  </p:cSld>
-  <p:clrMapOvr>
-    <a:masterClrMapping/>
-  </p:clrMapOvr>
-</p:sld>
-</file>
-
-<file path=ppt/slides/slide8.xml><?xml version="1.0" encoding="utf-8"?>
-<p:sld xmlns:a="http://schemas.openxmlformats.org/drawingml/2006/main" xmlns:r="http://schemas.openxmlformats.org/officeDocument/2006/relationships" xmlns:p="http://schemas.openxmlformats.org/presentationml/2006/main">
-  <p:cSld>
-    <p:spTree>
-      <p:nvGrpSpPr>
-        <p:cNvPr id="1" name=""/>
-        <p:cNvGrpSpPr/>
-        <p:nvPr/>
-      </p:nvGrpSpPr>
-      <p:grpSpPr>
-        <a:xfrm>
-          <a:off x="0" y="0"/>
-          <a:ext cx="0" cy="0"/>
-          <a:chOff x="0" y="0"/>
-          <a:chExt cx="0" cy="0"/>
-        </a:xfrm>
-      </p:grpSpPr>
-      <p:pic>
-        <p:nvPicPr>
-          <p:cNvPr id="2" name="Espaço Reservado para Conteúdo 1">
-            <a:extLst>
-              <a:ext uri="{FF2B5EF4-FFF2-40B4-BE49-F238E27FC236}">
-                <a16:creationId xmlns:a16="http://schemas.microsoft.com/office/drawing/2014/main" id="{07F3DE8D-C3E5-421B-BAD2-F01619866953}"/>
-              </a:ext>
-            </a:extLst>
-          </p:cNvPr>
-          <p:cNvPicPr>
-            <a:picLocks noGrp="1" noChangeAspect="1"/>
-          </p:cNvPicPr>
-          <p:nvPr>
-            <p:ph idx="1"/>
-          </p:nvPr>
-        </p:nvPicPr>
-        <p:blipFill>
-          <a:blip r:embed="rId2"/>
-          <a:stretch>
-            <a:fillRect/>
-          </a:stretch>
-        </p:blipFill>
-        <p:spPr>
-          <a:xfrm>
-            <a:off x="2423447" y="1825625"/>
-            <a:ext cx="7345105" cy="4351338"/>
-          </a:xfrm>
-          <a:prstGeom prst="rect">
-            <a:avLst/>
-          </a:prstGeom>
-        </p:spPr>
-      </p:pic>
-      <p:sp>
-        <p:nvSpPr>
-          <p:cNvPr id="6" name="Título 1">
-            <a:extLst>
-              <a:ext uri="{FF2B5EF4-FFF2-40B4-BE49-F238E27FC236}">
-                <a16:creationId xmlns:a16="http://schemas.microsoft.com/office/drawing/2014/main" id="{62E1AAE0-A067-4119-BE22-1FE8351FD147}"/>
-              </a:ext>
-            </a:extLst>
-          </p:cNvPr>
-          <p:cNvSpPr txBox="1">
-            <a:spLocks/>
-          </p:cNvSpPr>
-          <p:nvPr/>
-        </p:nvSpPr>
-        <p:spPr>
-          <a:xfrm>
-            <a:off x="0" y="122968"/>
-            <a:ext cx="12192000" cy="854430"/>
-          </a:xfrm>
-          <a:prstGeom prst="rect">
-            <a:avLst/>
-          </a:prstGeom>
-        </p:spPr>
-        <p:txBody>
-          <a:bodyPr vert="horz" lIns="91440" tIns="45720" rIns="91440" bIns="45720" rtlCol="0" anchor="ctr">
-            <a:noAutofit/>
-          </a:bodyPr>
-          <a:lstStyle>
-            <a:lvl1pPr algn="l" defTabSz="914400" rtl="0" eaLnBrk="1" latinLnBrk="0" hangingPunct="1">
-              <a:lnSpc>
-                <a:spcPct val="90000"/>
-              </a:lnSpc>
-              <a:spcBef>
-                <a:spcPct val="0"/>
-              </a:spcBef>
-              <a:buNone/>
-              <a:defRPr sz="4400" kern="1200">
-                <a:solidFill>
-                  <a:schemeClr val="tx1"/>
-                </a:solidFill>
-                <a:latin typeface="+mj-lt"/>
-                <a:ea typeface="+mj-ea"/>
-                <a:cs typeface="+mj-cs"/>
-              </a:defRPr>
-            </a:lvl1pPr>
-          </a:lstStyle>
-          <a:p>
-            <a:pPr algn="ctr"/>
-            <a:r>
-              <a:rPr lang="pt-BR" sz="6600" b="1" dirty="0" err="1">
-                <a:solidFill>
-                  <a:srgbClr val="F46524"/>
-                </a:solidFill>
-                <a:latin typeface="Arial" panose="020B0604020202020204" pitchFamily="34" charset="0"/>
-                <a:cs typeface="Arial" panose="020B0604020202020204" pitchFamily="34" charset="0"/>
-              </a:rPr>
-              <a:t>Context</a:t>
-            </a:r>
-            <a:r>
-              <a:rPr lang="pt-BR" sz="6600" b="1" dirty="0">
-                <a:solidFill>
-                  <a:srgbClr val="F46524"/>
-                </a:solidFill>
-                <a:latin typeface="Arial" panose="020B0604020202020204" pitchFamily="34" charset="0"/>
-                <a:cs typeface="Arial" panose="020B0604020202020204" pitchFamily="34" charset="0"/>
-              </a:rPr>
-              <a:t> API</a:t>
-            </a:r>
-            <a:endParaRPr lang="pt-BR" sz="7200" b="1" dirty="0">
-              <a:solidFill>
-                <a:srgbClr val="F46524"/>
-              </a:solidFill>
-              <a:latin typeface="Arial" panose="020B0604020202020204" pitchFamily="34" charset="0"/>
-              <a:cs typeface="Arial" panose="020B0604020202020204" pitchFamily="34" charset="0"/>
-            </a:endParaRPr>
-          </a:p>
-        </p:txBody>
-      </p:sp>
-      <p:pic>
-        <p:nvPicPr>
-          <p:cNvPr id="7" name="Imagem 6">
-            <a:extLst>
-              <a:ext uri="{FF2B5EF4-FFF2-40B4-BE49-F238E27FC236}">
-                <a16:creationId xmlns:a16="http://schemas.microsoft.com/office/drawing/2014/main" id="{4E6DF7A4-AA0F-4323-8CC2-D016FEA6DF7B}"/>
-              </a:ext>
-            </a:extLst>
-          </p:cNvPr>
-          <p:cNvPicPr>
-            <a:picLocks noChangeAspect="1"/>
-          </p:cNvPicPr>
-          <p:nvPr/>
-        </p:nvPicPr>
-        <p:blipFill>
-          <a:blip r:embed="rId3"/>
-          <a:stretch>
-            <a:fillRect/>
-          </a:stretch>
-        </p:blipFill>
-        <p:spPr>
-          <a:xfrm>
-            <a:off x="10258887" y="122968"/>
-            <a:ext cx="1447800" cy="790575"/>
-          </a:xfrm>
-          <a:prstGeom prst="rect">
-            <a:avLst/>
-          </a:prstGeom>
-        </p:spPr>
-      </p:pic>
-      <p:pic>
-        <p:nvPicPr>
-          <p:cNvPr id="8" name="Imagem 7">
-            <a:extLst>
-              <a:ext uri="{FF2B5EF4-FFF2-40B4-BE49-F238E27FC236}">
-                <a16:creationId xmlns:a16="http://schemas.microsoft.com/office/drawing/2014/main" id="{4A328260-2ADB-4693-9112-53AB287FD66C}"/>
-              </a:ext>
-            </a:extLst>
-          </p:cNvPr>
-          <p:cNvPicPr>
-            <a:picLocks noChangeAspect="1"/>
-          </p:cNvPicPr>
-          <p:nvPr/>
-        </p:nvPicPr>
-        <p:blipFill>
-          <a:blip r:embed="rId4"/>
-          <a:stretch>
-            <a:fillRect/>
-          </a:stretch>
-        </p:blipFill>
-        <p:spPr>
-          <a:xfrm>
-            <a:off x="0" y="0"/>
-            <a:ext cx="1419225" cy="1495425"/>
-          </a:xfrm>
-          <a:prstGeom prst="rect">
-            <a:avLst/>
-          </a:prstGeom>
-        </p:spPr>
-      </p:pic>
-    </p:spTree>
-    <p:extLst>
-      <p:ext uri="{BB962C8B-B14F-4D97-AF65-F5344CB8AC3E}">
-        <p14:creationId xmlns:p14="http://schemas.microsoft.com/office/powerpoint/2010/main" val="2056983549"/>
-      </p:ext>
-    </p:extLst>
-  </p:cSld>
-  <p:clrMapOvr>
-    <a:masterClrMapping/>
-  </p:clrMapOvr>
-</p:sld>
-</file>
-
-<file path=ppt/slides/slide9.xml><?xml version="1.0" encoding="utf-8"?>
-<p:sld xmlns:a="http://schemas.openxmlformats.org/drawingml/2006/main" xmlns:r="http://schemas.openxmlformats.org/officeDocument/2006/relationships" xmlns:p="http://schemas.openxmlformats.org/presentationml/2006/main">
-  <p:cSld>
-    <p:spTree>
-      <p:nvGrpSpPr>
-        <p:cNvPr id="1" name=""/>
-        <p:cNvGrpSpPr/>
-        <p:nvPr/>
-      </p:nvGrpSpPr>
-      <p:grpSpPr>
-        <a:xfrm>
-          <a:off x="0" y="0"/>
-          <a:ext cx="0" cy="0"/>
-          <a:chOff x="0" y="0"/>
-          <a:chExt cx="0" cy="0"/>
-        </a:xfrm>
-      </p:grpSpPr>
-      <p:sp>
-        <p:nvSpPr>
-          <p:cNvPr id="3" name="Espaço Reservado para Conteúdo 2">
-            <a:extLst>
-              <a:ext uri="{FF2B5EF4-FFF2-40B4-BE49-F238E27FC236}">
-                <a16:creationId xmlns:a16="http://schemas.microsoft.com/office/drawing/2014/main" id="{1C54187F-8492-4796-96CD-9E4382E87C6F}"/>
-              </a:ext>
-            </a:extLst>
-          </p:cNvPr>
-          <p:cNvSpPr>
-            <a:spLocks noGrp="1"/>
-          </p:cNvSpPr>
-          <p:nvPr>
-            <p:ph idx="1"/>
-          </p:nvPr>
-        </p:nvSpPr>
-        <p:spPr/>
-        <p:txBody>
-          <a:bodyPr>
-            <a:normAutofit/>
-          </a:bodyPr>
-          <a:lstStyle/>
-          <a:p>
-            <a:pPr>
-              <a:buFont typeface="Wingdings" panose="05000000000000000000" pitchFamily="2" charset="2"/>
-              <a:buChar char="Ø"/>
-            </a:pPr>
-            <a:r>
-              <a:rPr lang="pt-BR" dirty="0">
-                <a:latin typeface="Arial" panose="020B0604020202020204" pitchFamily="34" charset="0"/>
-                <a:cs typeface="Arial" panose="020B0604020202020204" pitchFamily="34" charset="0"/>
-              </a:rPr>
-              <a:t>No uso básico do </a:t>
-            </a:r>
-            <a:r>
-              <a:rPr lang="pt-BR" dirty="0" err="1">
-                <a:latin typeface="Arial" panose="020B0604020202020204" pitchFamily="34" charset="0"/>
-                <a:cs typeface="Arial" panose="020B0604020202020204" pitchFamily="34" charset="0"/>
-              </a:rPr>
-              <a:t>React</a:t>
-            </a:r>
-            <a:r>
-              <a:rPr lang="pt-BR" dirty="0">
-                <a:latin typeface="Arial" panose="020B0604020202020204" pitchFamily="34" charset="0"/>
-                <a:cs typeface="Arial" panose="020B0604020202020204" pitchFamily="34" charset="0"/>
-              </a:rPr>
-              <a:t>, quando precisamos que um componente filho tenha ou manipule os dados do pai, precisamos informar esses dados e funções nas </a:t>
-            </a:r>
-            <a:r>
-              <a:rPr lang="pt-BR" dirty="0" err="1">
-                <a:latin typeface="Arial" panose="020B0604020202020204" pitchFamily="34" charset="0"/>
-                <a:cs typeface="Arial" panose="020B0604020202020204" pitchFamily="34" charset="0"/>
-              </a:rPr>
-              <a:t>props</a:t>
-            </a:r>
-            <a:r>
-              <a:rPr lang="pt-BR" dirty="0">
-                <a:latin typeface="Arial" panose="020B0604020202020204" pitchFamily="34" charset="0"/>
-                <a:cs typeface="Arial" panose="020B0604020202020204" pitchFamily="34" charset="0"/>
-              </a:rPr>
-              <a:t> do componente filhos. O que é bem simples na realidade, seria algo como:</a:t>
-            </a:r>
-          </a:p>
-        </p:txBody>
-      </p:sp>
-      <p:sp>
-        <p:nvSpPr>
-          <p:cNvPr id="6" name="Título 1">
-            <a:extLst>
-              <a:ext uri="{FF2B5EF4-FFF2-40B4-BE49-F238E27FC236}">
-                <a16:creationId xmlns:a16="http://schemas.microsoft.com/office/drawing/2014/main" id="{62E1AAE0-A067-4119-BE22-1FE8351FD147}"/>
-              </a:ext>
-            </a:extLst>
-          </p:cNvPr>
-          <p:cNvSpPr txBox="1">
-            <a:spLocks/>
-          </p:cNvSpPr>
-          <p:nvPr/>
-        </p:nvSpPr>
-        <p:spPr>
-          <a:xfrm>
-            <a:off x="0" y="122968"/>
-            <a:ext cx="12192000" cy="854430"/>
-          </a:xfrm>
-          <a:prstGeom prst="rect">
-            <a:avLst/>
-          </a:prstGeom>
-        </p:spPr>
-        <p:txBody>
-          <a:bodyPr vert="horz" lIns="91440" tIns="45720" rIns="91440" bIns="45720" rtlCol="0" anchor="ctr">
-            <a:noAutofit/>
-          </a:bodyPr>
-          <a:lstStyle>
-            <a:lvl1pPr algn="l" defTabSz="914400" rtl="0" eaLnBrk="1" latinLnBrk="0" hangingPunct="1">
-              <a:lnSpc>
-                <a:spcPct val="90000"/>
-              </a:lnSpc>
-              <a:spcBef>
-                <a:spcPct val="0"/>
-              </a:spcBef>
-              <a:buNone/>
-              <a:defRPr sz="4400" kern="1200">
-                <a:solidFill>
-                  <a:schemeClr val="tx1"/>
-                </a:solidFill>
-                <a:latin typeface="+mj-lt"/>
-                <a:ea typeface="+mj-ea"/>
-                <a:cs typeface="+mj-cs"/>
-              </a:defRPr>
-            </a:lvl1pPr>
-          </a:lstStyle>
-          <a:p>
-            <a:pPr algn="ctr"/>
-            <a:r>
-              <a:rPr lang="pt-BR" sz="6600" b="1" dirty="0" err="1">
-                <a:solidFill>
-                  <a:srgbClr val="F46524"/>
-                </a:solidFill>
-                <a:latin typeface="Arial" panose="020B0604020202020204" pitchFamily="34" charset="0"/>
-                <a:cs typeface="Arial" panose="020B0604020202020204" pitchFamily="34" charset="0"/>
-              </a:rPr>
-              <a:t>Context</a:t>
-            </a:r>
-            <a:r>
-              <a:rPr lang="pt-BR" sz="6600" b="1" dirty="0">
-                <a:solidFill>
-                  <a:srgbClr val="F46524"/>
-                </a:solidFill>
-                <a:latin typeface="Arial" panose="020B0604020202020204" pitchFamily="34" charset="0"/>
-                <a:cs typeface="Arial" panose="020B0604020202020204" pitchFamily="34" charset="0"/>
-              </a:rPr>
-              <a:t> API</a:t>
-            </a:r>
-            <a:endParaRPr lang="pt-BR" sz="7200" b="1" dirty="0">
-              <a:solidFill>
-                <a:srgbClr val="F46524"/>
-              </a:solidFill>
-              <a:latin typeface="Arial" panose="020B0604020202020204" pitchFamily="34" charset="0"/>
-              <a:cs typeface="Arial" panose="020B0604020202020204" pitchFamily="34" charset="0"/>
-            </a:endParaRPr>
-          </a:p>
-        </p:txBody>
-      </p:sp>
-      <p:pic>
-        <p:nvPicPr>
-          <p:cNvPr id="7" name="Imagem 6">
-            <a:extLst>
-              <a:ext uri="{FF2B5EF4-FFF2-40B4-BE49-F238E27FC236}">
-                <a16:creationId xmlns:a16="http://schemas.microsoft.com/office/drawing/2014/main" id="{4E6DF7A4-AA0F-4323-8CC2-D016FEA6DF7B}"/>
-              </a:ext>
-            </a:extLst>
-          </p:cNvPr>
-          <p:cNvPicPr>
-            <a:picLocks noChangeAspect="1"/>
-          </p:cNvPicPr>
-          <p:nvPr/>
-        </p:nvPicPr>
-        <p:blipFill>
-          <a:blip r:embed="rId2"/>
-          <a:stretch>
-            <a:fillRect/>
-          </a:stretch>
-        </p:blipFill>
-        <p:spPr>
-          <a:xfrm>
-            <a:off x="10258887" y="122968"/>
-            <a:ext cx="1447800" cy="790575"/>
-          </a:xfrm>
-          <a:prstGeom prst="rect">
-            <a:avLst/>
-          </a:prstGeom>
-        </p:spPr>
-      </p:pic>
-      <p:pic>
-        <p:nvPicPr>
-          <p:cNvPr id="8" name="Imagem 7">
-            <a:extLst>
-              <a:ext uri="{FF2B5EF4-FFF2-40B4-BE49-F238E27FC236}">
-                <a16:creationId xmlns:a16="http://schemas.microsoft.com/office/drawing/2014/main" id="{4A328260-2ADB-4693-9112-53AB287FD66C}"/>
-              </a:ext>
-            </a:extLst>
-          </p:cNvPr>
-          <p:cNvPicPr>
-            <a:picLocks noChangeAspect="1"/>
-          </p:cNvPicPr>
-          <p:nvPr/>
-        </p:nvPicPr>
-        <p:blipFill>
-          <a:blip r:embed="rId3"/>
-          <a:stretch>
-            <a:fillRect/>
-          </a:stretch>
-        </p:blipFill>
-        <p:spPr>
-          <a:xfrm>
-            <a:off x="0" y="0"/>
-            <a:ext cx="1419225" cy="1495425"/>
-          </a:xfrm>
-          <a:prstGeom prst="rect">
-            <a:avLst/>
-          </a:prstGeom>
-        </p:spPr>
-      </p:pic>
-    </p:spTree>
-    <p:extLst>
-      <p:ext uri="{BB962C8B-B14F-4D97-AF65-F5344CB8AC3E}">
-        <p14:creationId xmlns:p14="http://schemas.microsoft.com/office/powerpoint/2010/main" val="3125660114"/>
-      </p:ext>
-    </p:extLst>
-  </p:cSld>
-  <p:clrMapOvr>
-    <a:masterClrMapping/>
-  </p:clrMapOvr>
-</p:sld>
-</file>
-
 <file path=ppt/theme/theme1.xml><?xml version="1.0" encoding="utf-8"?>
 <a:theme xmlns:a="http://schemas.openxmlformats.org/drawingml/2006/main" name="Tema do Office">
   <a:themeElements>

--- a/material/ReactAula2.pptx
+++ b/material/ReactAula2.pptx
@@ -11,6 +11,7 @@
     <p:sldId id="266" r:id="rId5"/>
     <p:sldId id="267" r:id="rId6"/>
     <p:sldId id="268" r:id="rId7"/>
+    <p:sldId id="269" r:id="rId8"/>
   </p:sldIdLst>
   <p:sldSz cx="12192000" cy="6858000"/>
   <p:notesSz cx="6858000" cy="9144000"/>
@@ -264,7 +265,7 @@
           <a:p>
             <a:fld id="{F173C421-78E7-4F2F-AA80-2269C56115F5}" type="datetimeFigureOut">
               <a:rPr lang="pt-BR" smtClean="0"/>
-              <a:t>06/02/2019</a:t>
+              <a:t>09/02/2019</a:t>
             </a:fld>
             <a:endParaRPr lang="pt-BR"/>
           </a:p>
@@ -462,7 +463,7 @@
           <a:p>
             <a:fld id="{F173C421-78E7-4F2F-AA80-2269C56115F5}" type="datetimeFigureOut">
               <a:rPr lang="pt-BR" smtClean="0"/>
-              <a:t>06/02/2019</a:t>
+              <a:t>09/02/2019</a:t>
             </a:fld>
             <a:endParaRPr lang="pt-BR"/>
           </a:p>
@@ -670,7 +671,7 @@
           <a:p>
             <a:fld id="{F173C421-78E7-4F2F-AA80-2269C56115F5}" type="datetimeFigureOut">
               <a:rPr lang="pt-BR" smtClean="0"/>
-              <a:t>06/02/2019</a:t>
+              <a:t>09/02/2019</a:t>
             </a:fld>
             <a:endParaRPr lang="pt-BR"/>
           </a:p>
@@ -868,7 +869,7 @@
           <a:p>
             <a:fld id="{F173C421-78E7-4F2F-AA80-2269C56115F5}" type="datetimeFigureOut">
               <a:rPr lang="pt-BR" smtClean="0"/>
-              <a:t>06/02/2019</a:t>
+              <a:t>09/02/2019</a:t>
             </a:fld>
             <a:endParaRPr lang="pt-BR"/>
           </a:p>
@@ -1143,7 +1144,7 @@
           <a:p>
             <a:fld id="{F173C421-78E7-4F2F-AA80-2269C56115F5}" type="datetimeFigureOut">
               <a:rPr lang="pt-BR" smtClean="0"/>
-              <a:t>06/02/2019</a:t>
+              <a:t>09/02/2019</a:t>
             </a:fld>
             <a:endParaRPr lang="pt-BR"/>
           </a:p>
@@ -1408,7 +1409,7 @@
           <a:p>
             <a:fld id="{F173C421-78E7-4F2F-AA80-2269C56115F5}" type="datetimeFigureOut">
               <a:rPr lang="pt-BR" smtClean="0"/>
-              <a:t>06/02/2019</a:t>
+              <a:t>09/02/2019</a:t>
             </a:fld>
             <a:endParaRPr lang="pt-BR"/>
           </a:p>
@@ -1820,7 +1821,7 @@
           <a:p>
             <a:fld id="{F173C421-78E7-4F2F-AA80-2269C56115F5}" type="datetimeFigureOut">
               <a:rPr lang="pt-BR" smtClean="0"/>
-              <a:t>06/02/2019</a:t>
+              <a:t>09/02/2019</a:t>
             </a:fld>
             <a:endParaRPr lang="pt-BR"/>
           </a:p>
@@ -1961,7 +1962,7 @@
           <a:p>
             <a:fld id="{F173C421-78E7-4F2F-AA80-2269C56115F5}" type="datetimeFigureOut">
               <a:rPr lang="pt-BR" smtClean="0"/>
-              <a:t>06/02/2019</a:t>
+              <a:t>09/02/2019</a:t>
             </a:fld>
             <a:endParaRPr lang="pt-BR"/>
           </a:p>
@@ -2074,7 +2075,7 @@
           <a:p>
             <a:fld id="{F173C421-78E7-4F2F-AA80-2269C56115F5}" type="datetimeFigureOut">
               <a:rPr lang="pt-BR" smtClean="0"/>
-              <a:t>06/02/2019</a:t>
+              <a:t>09/02/2019</a:t>
             </a:fld>
             <a:endParaRPr lang="pt-BR"/>
           </a:p>
@@ -2385,7 +2386,7 @@
           <a:p>
             <a:fld id="{F173C421-78E7-4F2F-AA80-2269C56115F5}" type="datetimeFigureOut">
               <a:rPr lang="pt-BR" smtClean="0"/>
-              <a:t>06/02/2019</a:t>
+              <a:t>09/02/2019</a:t>
             </a:fld>
             <a:endParaRPr lang="pt-BR"/>
           </a:p>
@@ -2673,7 +2674,7 @@
           <a:p>
             <a:fld id="{F173C421-78E7-4F2F-AA80-2269C56115F5}" type="datetimeFigureOut">
               <a:rPr lang="pt-BR" smtClean="0"/>
-              <a:t>06/02/2019</a:t>
+              <a:t>09/02/2019</a:t>
             </a:fld>
             <a:endParaRPr lang="pt-BR"/>
           </a:p>
@@ -2914,7 +2915,7 @@
           <a:p>
             <a:fld id="{F173C421-78E7-4F2F-AA80-2269C56115F5}" type="datetimeFigureOut">
               <a:rPr lang="pt-BR" smtClean="0"/>
-              <a:t>06/02/2019</a:t>
+              <a:t>09/02/2019</a:t>
             </a:fld>
             <a:endParaRPr lang="pt-BR"/>
           </a:p>
@@ -3512,7 +3513,7 @@
           <p:nvPr/>
         </p:nvPicPr>
         <p:blipFill>
-          <a:blip r:embed="rId4">
+          <a:blip r:embed="rId4" cstate="hqprint">
             <a:extLst>
               <a:ext uri="{28A0092B-C50C-407E-A947-70E740481C1C}">
                 <a14:useLocalDpi xmlns:a14="http://schemas.microsoft.com/office/drawing/2010/main" val="0"/>
@@ -3548,7 +3549,7 @@
           <p:nvPr/>
         </p:nvPicPr>
         <p:blipFill>
-          <a:blip r:embed="rId5">
+          <a:blip r:embed="rId5" cstate="hqprint">
             <a:extLst>
               <a:ext uri="{28A0092B-C50C-407E-A947-70E740481C1C}">
                 <a14:useLocalDpi xmlns:a14="http://schemas.microsoft.com/office/drawing/2010/main" val="0"/>
@@ -6424,6 +6425,240 @@
 </p:sld>
 </file>
 
+<file path=ppt/slides/slide7.xml><?xml version="1.0" encoding="utf-8"?>
+<p:sld xmlns:a="http://schemas.openxmlformats.org/drawingml/2006/main" xmlns:r="http://schemas.openxmlformats.org/officeDocument/2006/relationships" xmlns:p="http://schemas.openxmlformats.org/presentationml/2006/main">
+  <p:cSld>
+    <p:spTree>
+      <p:nvGrpSpPr>
+        <p:cNvPr id="1" name=""/>
+        <p:cNvGrpSpPr/>
+        <p:nvPr/>
+      </p:nvGrpSpPr>
+      <p:grpSpPr>
+        <a:xfrm>
+          <a:off x="0" y="0"/>
+          <a:ext cx="0" cy="0"/>
+          <a:chOff x="0" y="0"/>
+          <a:chExt cx="0" cy="0"/>
+        </a:xfrm>
+      </p:grpSpPr>
+      <p:sp>
+        <p:nvSpPr>
+          <p:cNvPr id="3" name="Espaço Reservado para Conteúdo 2">
+            <a:extLst>
+              <a:ext uri="{FF2B5EF4-FFF2-40B4-BE49-F238E27FC236}">
+                <a16:creationId xmlns:a16="http://schemas.microsoft.com/office/drawing/2014/main" id="{1C54187F-8492-4796-96CD-9E4382E87C6F}"/>
+              </a:ext>
+            </a:extLst>
+          </p:cNvPr>
+          <p:cNvSpPr>
+            <a:spLocks noGrp="1"/>
+          </p:cNvSpPr>
+          <p:nvPr>
+            <p:ph idx="1"/>
+          </p:nvPr>
+        </p:nvSpPr>
+        <p:spPr/>
+        <p:txBody>
+          <a:bodyPr>
+            <a:normAutofit/>
+          </a:bodyPr>
+          <a:lstStyle/>
+          <a:p>
+            <a:pPr>
+              <a:buFont typeface="Wingdings" panose="05000000000000000000" pitchFamily="2" charset="2"/>
+              <a:buChar char="Ø"/>
+            </a:pPr>
+            <a:r>
+              <a:rPr lang="pt-BR" dirty="0">
+                <a:latin typeface="Arial" panose="020B0604020202020204" pitchFamily="34" charset="0"/>
+                <a:cs typeface="Arial" panose="020B0604020202020204" pitchFamily="34" charset="0"/>
+                <a:hlinkClick r:id="rId2"/>
+              </a:rPr>
+              <a:t>https://</a:t>
+            </a:r>
+            <a:r>
+              <a:rPr lang="pt-BR" dirty="0" smtClean="0">
+                <a:latin typeface="Arial" panose="020B0604020202020204" pitchFamily="34" charset="0"/>
+                <a:cs typeface="Arial" panose="020B0604020202020204" pitchFamily="34" charset="0"/>
+                <a:hlinkClick r:id="rId2"/>
+              </a:rPr>
+              <a:t>repl.it/repls/RuralNoteworthyApi</a:t>
+            </a:r>
+            <a:endParaRPr lang="pt-BR" dirty="0" smtClean="0">
+              <a:latin typeface="Arial" panose="020B0604020202020204" pitchFamily="34" charset="0"/>
+              <a:cs typeface="Arial" panose="020B0604020202020204" pitchFamily="34" charset="0"/>
+            </a:endParaRPr>
+          </a:p>
+          <a:p>
+            <a:pPr>
+              <a:buFont typeface="Wingdings" panose="05000000000000000000" pitchFamily="2" charset="2"/>
+              <a:buChar char="Ø"/>
+            </a:pPr>
+            <a:r>
+              <a:rPr lang="pt-BR" dirty="0">
+                <a:latin typeface="Arial" panose="020B0604020202020204" pitchFamily="34" charset="0"/>
+                <a:cs typeface="Arial" panose="020B0604020202020204" pitchFamily="34" charset="0"/>
+              </a:rPr>
+              <a:t>https://github.com/fkhadra/react-toastify</a:t>
+            </a:r>
+            <a:endParaRPr lang="pt-BR" dirty="0">
+              <a:latin typeface="Arial" panose="020B0604020202020204" pitchFamily="34" charset="0"/>
+              <a:cs typeface="Arial" panose="020B0604020202020204" pitchFamily="34" charset="0"/>
+            </a:endParaRPr>
+          </a:p>
+          <a:p>
+            <a:pPr marL="0" indent="0">
+              <a:buNone/>
+            </a:pPr>
+            <a:endParaRPr lang="pt-BR" dirty="0">
+              <a:latin typeface="Arial" panose="020B0604020202020204" pitchFamily="34" charset="0"/>
+              <a:cs typeface="Arial" panose="020B0604020202020204" pitchFamily="34" charset="0"/>
+            </a:endParaRPr>
+          </a:p>
+        </p:txBody>
+      </p:sp>
+      <p:sp>
+        <p:nvSpPr>
+          <p:cNvPr id="6" name="Título 1">
+            <a:extLst>
+              <a:ext uri="{FF2B5EF4-FFF2-40B4-BE49-F238E27FC236}">
+                <a16:creationId xmlns:a16="http://schemas.microsoft.com/office/drawing/2014/main" id="{62E1AAE0-A067-4119-BE22-1FE8351FD147}"/>
+              </a:ext>
+            </a:extLst>
+          </p:cNvPr>
+          <p:cNvSpPr txBox="1">
+            <a:spLocks/>
+          </p:cNvSpPr>
+          <p:nvPr/>
+        </p:nvSpPr>
+        <p:spPr>
+          <a:xfrm>
+            <a:off x="0" y="122968"/>
+            <a:ext cx="12192000" cy="854430"/>
+          </a:xfrm>
+          <a:prstGeom prst="rect">
+            <a:avLst/>
+          </a:prstGeom>
+        </p:spPr>
+        <p:txBody>
+          <a:bodyPr vert="horz" lIns="91440" tIns="45720" rIns="91440" bIns="45720" rtlCol="0" anchor="ctr">
+            <a:noAutofit/>
+          </a:bodyPr>
+          <a:lstStyle>
+            <a:lvl1pPr algn="l" defTabSz="914400" rtl="0" eaLnBrk="1" latinLnBrk="0" hangingPunct="1">
+              <a:lnSpc>
+                <a:spcPct val="90000"/>
+              </a:lnSpc>
+              <a:spcBef>
+                <a:spcPct val="0"/>
+              </a:spcBef>
+              <a:buNone/>
+              <a:defRPr sz="4400" kern="1200">
+                <a:solidFill>
+                  <a:schemeClr val="tx1"/>
+                </a:solidFill>
+                <a:latin typeface="+mj-lt"/>
+                <a:ea typeface="+mj-ea"/>
+                <a:cs typeface="+mj-cs"/>
+              </a:defRPr>
+            </a:lvl1pPr>
+          </a:lstStyle>
+          <a:p>
+            <a:pPr algn="ctr"/>
+            <a:r>
+              <a:rPr lang="pt-BR" sz="6600" b="1" dirty="0" smtClean="0">
+                <a:solidFill>
+                  <a:srgbClr val="F46524"/>
+                </a:solidFill>
+                <a:latin typeface="Arial" panose="020B0604020202020204" pitchFamily="34" charset="0"/>
+                <a:cs typeface="Arial" panose="020B0604020202020204" pitchFamily="34" charset="0"/>
+              </a:rPr>
+              <a:t>Referências</a:t>
+            </a:r>
+            <a:endParaRPr lang="pt-BR" sz="7200" b="1" dirty="0">
+              <a:solidFill>
+                <a:srgbClr val="F46524"/>
+              </a:solidFill>
+              <a:latin typeface="Arial" panose="020B0604020202020204" pitchFamily="34" charset="0"/>
+              <a:cs typeface="Arial" panose="020B0604020202020204" pitchFamily="34" charset="0"/>
+            </a:endParaRPr>
+          </a:p>
+        </p:txBody>
+      </p:sp>
+      <p:pic>
+        <p:nvPicPr>
+          <p:cNvPr id="7" name="Imagem 6">
+            <a:extLst>
+              <a:ext uri="{FF2B5EF4-FFF2-40B4-BE49-F238E27FC236}">
+                <a16:creationId xmlns:a16="http://schemas.microsoft.com/office/drawing/2014/main" id="{4E6DF7A4-AA0F-4323-8CC2-D016FEA6DF7B}"/>
+              </a:ext>
+            </a:extLst>
+          </p:cNvPr>
+          <p:cNvPicPr>
+            <a:picLocks noChangeAspect="1"/>
+          </p:cNvPicPr>
+          <p:nvPr/>
+        </p:nvPicPr>
+        <p:blipFill>
+          <a:blip r:embed="rId3"/>
+          <a:stretch>
+            <a:fillRect/>
+          </a:stretch>
+        </p:blipFill>
+        <p:spPr>
+          <a:xfrm>
+            <a:off x="10258887" y="122968"/>
+            <a:ext cx="1447800" cy="790575"/>
+          </a:xfrm>
+          <a:prstGeom prst="rect">
+            <a:avLst/>
+          </a:prstGeom>
+        </p:spPr>
+      </p:pic>
+      <p:pic>
+        <p:nvPicPr>
+          <p:cNvPr id="8" name="Imagem 7">
+            <a:extLst>
+              <a:ext uri="{FF2B5EF4-FFF2-40B4-BE49-F238E27FC236}">
+                <a16:creationId xmlns:a16="http://schemas.microsoft.com/office/drawing/2014/main" id="{4A328260-2ADB-4693-9112-53AB287FD66C}"/>
+              </a:ext>
+            </a:extLst>
+          </p:cNvPr>
+          <p:cNvPicPr>
+            <a:picLocks noChangeAspect="1"/>
+          </p:cNvPicPr>
+          <p:nvPr/>
+        </p:nvPicPr>
+        <p:blipFill>
+          <a:blip r:embed="rId4"/>
+          <a:stretch>
+            <a:fillRect/>
+          </a:stretch>
+        </p:blipFill>
+        <p:spPr>
+          <a:xfrm>
+            <a:off x="0" y="0"/>
+            <a:ext cx="1419225" cy="1495425"/>
+          </a:xfrm>
+          <a:prstGeom prst="rect">
+            <a:avLst/>
+          </a:prstGeom>
+        </p:spPr>
+      </p:pic>
+    </p:spTree>
+    <p:extLst>
+      <p:ext uri="{BB962C8B-B14F-4D97-AF65-F5344CB8AC3E}">
+        <p14:creationId xmlns:p14="http://schemas.microsoft.com/office/powerpoint/2010/main" val="2441758322"/>
+      </p:ext>
+    </p:extLst>
+  </p:cSld>
+  <p:clrMapOvr>
+    <a:masterClrMapping/>
+  </p:clrMapOvr>
+</p:sld>
+</file>
+
 <file path=ppt/theme/theme1.xml><?xml version="1.0" encoding="utf-8"?>
 <a:theme xmlns:a="http://schemas.openxmlformats.org/drawingml/2006/main" name="Tema do Office">
   <a:themeElements>
